--- a/memo/高速案内.pptx
+++ b/memo/高速案内.pptx
@@ -116,6 +116,11 @@
       </a:defRPr>
     </a:lvl9pPr>
   </p:defaultTextStyle>
+  <p:extLst>
+    <p:ext uri="{EFAFB233-063F-42B5-8137-9DF3F51BA10A}">
+      <p15:sldGuideLst xmlns:p15="http://schemas.microsoft.com/office/powerpoint/2012/main"/>
+    </p:ext>
+  </p:extLst>
 </p:presentation>
 </file>
 
@@ -129,6 +134,10 @@
     </p:extLst>
   </p:cmAuthor>
 </p:cmAuthorLst>
+</file>
+
+<file path=ppt/revisionInfo.xml><?xml version="1.0" encoding="utf-8"?>
+<p1510:revInfo xmlns:a="http://schemas.openxmlformats.org/drawingml/2006/main" xmlns:r="http://schemas.openxmlformats.org/officeDocument/2006/relationships" xmlns:p1510="http://schemas.microsoft.com/office/powerpoint/2015/10/main"/>
 </file>
 
 <file path=ppt/notesMasters/notesMaster1.xml><?xml version="1.0" encoding="utf-8"?>
@@ -213,7 +222,7 @@
           <a:p>
             <a:fld id="{606CA095-975E-4B13-95D5-540F2747E03F}" type="datetimeFigureOut">
               <a:rPr kumimoji="1" lang="ja-JP" altLang="en-US" smtClean="0"/>
-              <a:t>2018/1/30</a:t>
+              <a:t>2018/2/1</a:t>
             </a:fld>
             <a:endParaRPr kumimoji="1" lang="ja-JP" altLang="en-US"/>
           </a:p>
@@ -556,92 +565,7 @@
           <a:bodyPr/>
           <a:lstStyle/>
           <a:p>
-            <a:r>
-              <a:rPr kumimoji="1" lang="en-US" altLang="ja-JP" dirty="0"/>
-              <a:t>Laravel</a:t>
-            </a:r>
-            <a:r>
-              <a:rPr kumimoji="1" lang="ja-JP" altLang="en-US" dirty="0"/>
-              <a:t>の階層構造を見せる　●</a:t>
-            </a:r>
-            <a:endParaRPr kumimoji="1" lang="en-US" altLang="ja-JP" dirty="0"/>
-          </a:p>
-          <a:p>
-            <a:r>
-              <a:rPr kumimoji="1" lang="en-US" altLang="ja-JP" dirty="0"/>
-              <a:t>Git</a:t>
-            </a:r>
-            <a:r>
-              <a:rPr kumimoji="1" lang="ja-JP" altLang="en-US" dirty="0"/>
-              <a:t>の説明をする</a:t>
-            </a:r>
-            <a:endParaRPr kumimoji="1" lang="en-US" altLang="ja-JP" dirty="0"/>
-          </a:p>
-          <a:p>
-            <a:r>
-              <a:rPr kumimoji="1" lang="en-US" altLang="ja-JP" dirty="0"/>
-              <a:t>GitHub</a:t>
-            </a:r>
-            <a:r>
-              <a:rPr kumimoji="1" lang="ja-JP" altLang="en-US" dirty="0"/>
-              <a:t>の説明と利用方法を話す　●</a:t>
-            </a:r>
-            <a:endParaRPr kumimoji="1" lang="en-US" altLang="ja-JP" dirty="0"/>
-          </a:p>
-          <a:p>
-            <a:r>
-              <a:rPr kumimoji="1" lang="en-US" altLang="ja-JP" dirty="0" err="1"/>
-              <a:t>GitBash</a:t>
-            </a:r>
-            <a:r>
-              <a:rPr kumimoji="1" lang="ja-JP" altLang="en-US" dirty="0"/>
-              <a:t>の説明と見せる　●</a:t>
-            </a:r>
-            <a:endParaRPr kumimoji="1" lang="en-US" altLang="ja-JP" dirty="0"/>
-          </a:p>
-          <a:p>
-            <a:r>
-              <a:rPr kumimoji="1" lang="en-US" altLang="ja-JP" dirty="0" err="1"/>
-              <a:t>SourceTree</a:t>
-            </a:r>
-            <a:r>
-              <a:rPr kumimoji="1" lang="ja-JP" altLang="en-US" dirty="0"/>
-              <a:t>の説明と見せる　●</a:t>
-            </a:r>
-            <a:endParaRPr kumimoji="1" lang="en-US" altLang="ja-JP" dirty="0"/>
-          </a:p>
-          <a:p>
-            <a:r>
-              <a:rPr kumimoji="1" lang="en-US" altLang="ja-JP" dirty="0"/>
-              <a:t>Composer</a:t>
-            </a:r>
-            <a:r>
-              <a:rPr kumimoji="1" lang="ja-JP" altLang="en-US" dirty="0"/>
-              <a:t>の説明</a:t>
-            </a:r>
-            <a:endParaRPr kumimoji="1" lang="en-US" altLang="ja-JP" dirty="0"/>
-          </a:p>
-          <a:p>
-            <a:r>
-              <a:rPr kumimoji="1" lang="en-US" altLang="ja-JP" dirty="0" err="1"/>
-              <a:t>Brade</a:t>
-            </a:r>
-            <a:r>
-              <a:rPr kumimoji="1" lang="ja-JP" altLang="en-US" dirty="0"/>
-              <a:t>の説明</a:t>
-            </a:r>
-            <a:endParaRPr kumimoji="1" lang="en-US" altLang="ja-JP" dirty="0"/>
-          </a:p>
-          <a:p>
-            <a:r>
-              <a:rPr kumimoji="1" lang="en-US" altLang="ja-JP" dirty="0"/>
-              <a:t>Font Awesome</a:t>
-            </a:r>
-            <a:r>
-              <a:rPr kumimoji="1" lang="ja-JP" altLang="en-US" dirty="0"/>
-              <a:t>の説明と見せる　●</a:t>
-            </a:r>
-            <a:endParaRPr kumimoji="1" lang="en-US" altLang="ja-JP" dirty="0"/>
+            <a:endParaRPr kumimoji="1" lang="ja-JP" altLang="en-US" dirty="0"/>
           </a:p>
         </p:txBody>
       </p:sp>
@@ -662,6 +586,259 @@
           <a:p>
             <a:fld id="{9F8D4566-30B8-42F3-B1B7-E04735697F79}" type="slidenum">
               <a:rPr kumimoji="1" lang="ja-JP" altLang="en-US" smtClean="0"/>
+              <a:t>1</a:t>
+            </a:fld>
+            <a:endParaRPr kumimoji="1" lang="ja-JP" altLang="en-US"/>
+          </a:p>
+        </p:txBody>
+      </p:sp>
+    </p:spTree>
+    <p:extLst>
+      <p:ext uri="{BB962C8B-B14F-4D97-AF65-F5344CB8AC3E}">
+        <p14:creationId xmlns:p14="http://schemas.microsoft.com/office/powerpoint/2010/main" val="3517085387"/>
+      </p:ext>
+    </p:extLst>
+  </p:cSld>
+  <p:clrMapOvr>
+    <a:masterClrMapping/>
+  </p:clrMapOvr>
+</p:notes>
+</file>
+
+<file path=ppt/notesSlides/notesSlide2.xml><?xml version="1.0" encoding="utf-8"?>
+<p:notes xmlns:a="http://schemas.openxmlformats.org/drawingml/2006/main" xmlns:r="http://schemas.openxmlformats.org/officeDocument/2006/relationships" xmlns:p="http://schemas.openxmlformats.org/presentationml/2006/main">
+  <p:cSld>
+    <p:spTree>
+      <p:nvGrpSpPr>
+        <p:cNvPr id="1" name=""/>
+        <p:cNvGrpSpPr/>
+        <p:nvPr/>
+      </p:nvGrpSpPr>
+      <p:grpSpPr>
+        <a:xfrm>
+          <a:off x="0" y="0"/>
+          <a:ext cx="0" cy="0"/>
+          <a:chOff x="0" y="0"/>
+          <a:chExt cx="0" cy="0"/>
+        </a:xfrm>
+      </p:grpSpPr>
+      <p:sp>
+        <p:nvSpPr>
+          <p:cNvPr id="2" name="スライド イメージ プレースホルダー 1"/>
+          <p:cNvSpPr>
+            <a:spLocks noGrp="1" noRot="1" noChangeAspect="1"/>
+          </p:cNvSpPr>
+          <p:nvPr>
+            <p:ph type="sldImg"/>
+          </p:nvPr>
+        </p:nvSpPr>
+        <p:spPr/>
+      </p:sp>
+      <p:sp>
+        <p:nvSpPr>
+          <p:cNvPr id="3" name="ノート プレースホルダー 2"/>
+          <p:cNvSpPr>
+            <a:spLocks noGrp="1"/>
+          </p:cNvSpPr>
+          <p:nvPr>
+            <p:ph type="body" idx="1"/>
+          </p:nvPr>
+        </p:nvSpPr>
+        <p:spPr/>
+        <p:txBody>
+          <a:bodyPr/>
+          <a:lstStyle/>
+          <a:p>
+            <a:endParaRPr kumimoji="1" lang="ja-JP" altLang="en-US" dirty="0"/>
+          </a:p>
+        </p:txBody>
+      </p:sp>
+      <p:sp>
+        <p:nvSpPr>
+          <p:cNvPr id="4" name="スライド番号プレースホルダー 3"/>
+          <p:cNvSpPr>
+            <a:spLocks noGrp="1"/>
+          </p:cNvSpPr>
+          <p:nvPr>
+            <p:ph type="sldNum" sz="quarter" idx="10"/>
+          </p:nvPr>
+        </p:nvSpPr>
+        <p:spPr/>
+        <p:txBody>
+          <a:bodyPr/>
+          <a:lstStyle/>
+          <a:p>
+            <a:fld id="{9F8D4566-30B8-42F3-B1B7-E04735697F79}" type="slidenum">
+              <a:rPr kumimoji="1" lang="ja-JP" altLang="en-US" smtClean="0"/>
+              <a:t>3</a:t>
+            </a:fld>
+            <a:endParaRPr kumimoji="1" lang="ja-JP" altLang="en-US"/>
+          </a:p>
+        </p:txBody>
+      </p:sp>
+    </p:spTree>
+    <p:extLst>
+      <p:ext uri="{BB962C8B-B14F-4D97-AF65-F5344CB8AC3E}">
+        <p14:creationId xmlns:p14="http://schemas.microsoft.com/office/powerpoint/2010/main" val="1583930075"/>
+      </p:ext>
+    </p:extLst>
+  </p:cSld>
+  <p:clrMapOvr>
+    <a:masterClrMapping/>
+  </p:clrMapOvr>
+</p:notes>
+</file>
+
+<file path=ppt/notesSlides/notesSlide3.xml><?xml version="1.0" encoding="utf-8"?>
+<p:notes xmlns:a="http://schemas.openxmlformats.org/drawingml/2006/main" xmlns:r="http://schemas.openxmlformats.org/officeDocument/2006/relationships" xmlns:p="http://schemas.openxmlformats.org/presentationml/2006/main">
+  <p:cSld>
+    <p:spTree>
+      <p:nvGrpSpPr>
+        <p:cNvPr id="1" name=""/>
+        <p:cNvGrpSpPr/>
+        <p:nvPr/>
+      </p:nvGrpSpPr>
+      <p:grpSpPr>
+        <a:xfrm>
+          <a:off x="0" y="0"/>
+          <a:ext cx="0" cy="0"/>
+          <a:chOff x="0" y="0"/>
+          <a:chExt cx="0" cy="0"/>
+        </a:xfrm>
+      </p:grpSpPr>
+      <p:sp>
+        <p:nvSpPr>
+          <p:cNvPr id="2" name="スライド イメージ プレースホルダー 1"/>
+          <p:cNvSpPr>
+            <a:spLocks noGrp="1" noRot="1" noChangeAspect="1"/>
+          </p:cNvSpPr>
+          <p:nvPr>
+            <p:ph type="sldImg"/>
+          </p:nvPr>
+        </p:nvSpPr>
+        <p:spPr/>
+      </p:sp>
+      <p:sp>
+        <p:nvSpPr>
+          <p:cNvPr id="3" name="ノート プレースホルダー 2"/>
+          <p:cNvSpPr>
+            <a:spLocks noGrp="1"/>
+          </p:cNvSpPr>
+          <p:nvPr>
+            <p:ph type="body" idx="1"/>
+          </p:nvPr>
+        </p:nvSpPr>
+        <p:spPr/>
+        <p:txBody>
+          <a:bodyPr/>
+          <a:lstStyle/>
+          <a:p>
+            <a:r>
+              <a:rPr kumimoji="1" lang="en-US" altLang="ja-JP" dirty="0"/>
+              <a:t>Laravel</a:t>
+            </a:r>
+            <a:r>
+              <a:rPr kumimoji="1" lang="ja-JP" altLang="en-US" dirty="0"/>
+              <a:t>の階層構造を見せる　●</a:t>
+            </a:r>
+            <a:endParaRPr kumimoji="1" lang="en-US" altLang="ja-JP" dirty="0"/>
+          </a:p>
+          <a:p>
+            <a:r>
+              <a:rPr kumimoji="1" lang="en-US" altLang="ja-JP" dirty="0"/>
+              <a:t>Git</a:t>
+            </a:r>
+            <a:r>
+              <a:rPr kumimoji="1" lang="ja-JP" altLang="en-US" dirty="0"/>
+              <a:t>の説明をする</a:t>
+            </a:r>
+            <a:endParaRPr kumimoji="1" lang="en-US" altLang="ja-JP" dirty="0"/>
+          </a:p>
+          <a:p>
+            <a:r>
+              <a:rPr kumimoji="1" lang="en-US" altLang="ja-JP" dirty="0"/>
+              <a:t>GitHub</a:t>
+            </a:r>
+            <a:r>
+              <a:rPr kumimoji="1" lang="ja-JP" altLang="en-US" dirty="0"/>
+              <a:t>の説明と利用方法を話す　●</a:t>
+            </a:r>
+            <a:endParaRPr kumimoji="1" lang="en-US" altLang="ja-JP" dirty="0"/>
+          </a:p>
+          <a:p>
+            <a:r>
+              <a:rPr kumimoji="1" lang="en-US" altLang="ja-JP" dirty="0" err="1"/>
+              <a:t>GitBash</a:t>
+            </a:r>
+            <a:r>
+              <a:rPr kumimoji="1" lang="ja-JP" altLang="en-US" dirty="0"/>
+              <a:t>の説明と見せる　●</a:t>
+            </a:r>
+            <a:endParaRPr kumimoji="1" lang="en-US" altLang="ja-JP" dirty="0"/>
+          </a:p>
+          <a:p>
+            <a:r>
+              <a:rPr kumimoji="1" lang="en-US" altLang="ja-JP" dirty="0" err="1"/>
+              <a:t>SourceTree</a:t>
+            </a:r>
+            <a:r>
+              <a:rPr kumimoji="1" lang="ja-JP" altLang="en-US" dirty="0"/>
+              <a:t>の説明と見せる　●</a:t>
+            </a:r>
+            <a:endParaRPr kumimoji="1" lang="en-US" altLang="ja-JP" dirty="0"/>
+          </a:p>
+          <a:p>
+            <a:r>
+              <a:rPr kumimoji="1" lang="en-US" altLang="ja-JP" dirty="0"/>
+              <a:t>Composer</a:t>
+            </a:r>
+            <a:r>
+              <a:rPr kumimoji="1" lang="ja-JP" altLang="en-US" dirty="0"/>
+              <a:t>の説明</a:t>
+            </a:r>
+            <a:endParaRPr kumimoji="1" lang="en-US" altLang="ja-JP" dirty="0"/>
+          </a:p>
+          <a:p>
+            <a:r>
+              <a:rPr kumimoji="1" lang="en-US" altLang="ja-JP" dirty="0" err="1"/>
+              <a:t>Brade</a:t>
+            </a:r>
+            <a:r>
+              <a:rPr kumimoji="1" lang="ja-JP" altLang="en-US" dirty="0"/>
+              <a:t>の説明</a:t>
+            </a:r>
+            <a:endParaRPr kumimoji="1" lang="en-US" altLang="ja-JP" dirty="0"/>
+          </a:p>
+          <a:p>
+            <a:r>
+              <a:rPr kumimoji="1" lang="en-US" altLang="ja-JP" dirty="0"/>
+              <a:t>Font Awesome</a:t>
+            </a:r>
+            <a:r>
+              <a:rPr kumimoji="1" lang="ja-JP" altLang="en-US" dirty="0"/>
+              <a:t>の説明と見せる　●</a:t>
+            </a:r>
+            <a:endParaRPr kumimoji="1" lang="en-US" altLang="ja-JP" dirty="0"/>
+          </a:p>
+        </p:txBody>
+      </p:sp>
+      <p:sp>
+        <p:nvSpPr>
+          <p:cNvPr id="4" name="スライド番号プレースホルダー 3"/>
+          <p:cNvSpPr>
+            <a:spLocks noGrp="1"/>
+          </p:cNvSpPr>
+          <p:nvPr>
+            <p:ph type="sldNum" sz="quarter" idx="10"/>
+          </p:nvPr>
+        </p:nvSpPr>
+        <p:spPr/>
+        <p:txBody>
+          <a:bodyPr/>
+          <a:lstStyle/>
+          <a:p>
+            <a:fld id="{9F8D4566-30B8-42F3-B1B7-E04735697F79}" type="slidenum">
+              <a:rPr kumimoji="1" lang="ja-JP" altLang="en-US" smtClean="0"/>
               <a:t>5</a:t>
             </a:fld>
             <a:endParaRPr kumimoji="1" lang="ja-JP" altLang="en-US"/>
@@ -672,6 +849,90 @@
     <p:extLst>
       <p:ext uri="{BB962C8B-B14F-4D97-AF65-F5344CB8AC3E}">
         <p14:creationId xmlns:p14="http://schemas.microsoft.com/office/powerpoint/2010/main" val="371019298"/>
+      </p:ext>
+    </p:extLst>
+  </p:cSld>
+  <p:clrMapOvr>
+    <a:masterClrMapping/>
+  </p:clrMapOvr>
+</p:notes>
+</file>
+
+<file path=ppt/notesSlides/notesSlide4.xml><?xml version="1.0" encoding="utf-8"?>
+<p:notes xmlns:a="http://schemas.openxmlformats.org/drawingml/2006/main" xmlns:r="http://schemas.openxmlformats.org/officeDocument/2006/relationships" xmlns:p="http://schemas.openxmlformats.org/presentationml/2006/main">
+  <p:cSld>
+    <p:spTree>
+      <p:nvGrpSpPr>
+        <p:cNvPr id="1" name=""/>
+        <p:cNvGrpSpPr/>
+        <p:nvPr/>
+      </p:nvGrpSpPr>
+      <p:grpSpPr>
+        <a:xfrm>
+          <a:off x="0" y="0"/>
+          <a:ext cx="0" cy="0"/>
+          <a:chOff x="0" y="0"/>
+          <a:chExt cx="0" cy="0"/>
+        </a:xfrm>
+      </p:grpSpPr>
+      <p:sp>
+        <p:nvSpPr>
+          <p:cNvPr id="2" name="スライド イメージ プレースホルダー 1"/>
+          <p:cNvSpPr>
+            <a:spLocks noGrp="1" noRot="1" noChangeAspect="1"/>
+          </p:cNvSpPr>
+          <p:nvPr>
+            <p:ph type="sldImg"/>
+          </p:nvPr>
+        </p:nvSpPr>
+        <p:spPr/>
+      </p:sp>
+      <p:sp>
+        <p:nvSpPr>
+          <p:cNvPr id="3" name="ノート プレースホルダー 2"/>
+          <p:cNvSpPr>
+            <a:spLocks noGrp="1"/>
+          </p:cNvSpPr>
+          <p:nvPr>
+            <p:ph type="body" idx="1"/>
+          </p:nvPr>
+        </p:nvSpPr>
+        <p:spPr/>
+        <p:txBody>
+          <a:bodyPr/>
+          <a:lstStyle/>
+          <a:p>
+            <a:endParaRPr kumimoji="1" lang="ja-JP" altLang="en-US"/>
+          </a:p>
+        </p:txBody>
+      </p:sp>
+      <p:sp>
+        <p:nvSpPr>
+          <p:cNvPr id="4" name="スライド番号プレースホルダー 3"/>
+          <p:cNvSpPr>
+            <a:spLocks noGrp="1"/>
+          </p:cNvSpPr>
+          <p:nvPr>
+            <p:ph type="sldNum" sz="quarter" idx="10"/>
+          </p:nvPr>
+        </p:nvSpPr>
+        <p:spPr/>
+        <p:txBody>
+          <a:bodyPr/>
+          <a:lstStyle/>
+          <a:p>
+            <a:fld id="{9F8D4566-30B8-42F3-B1B7-E04735697F79}" type="slidenum">
+              <a:rPr kumimoji="1" lang="ja-JP" altLang="en-US" smtClean="0"/>
+              <a:t>9</a:t>
+            </a:fld>
+            <a:endParaRPr kumimoji="1" lang="ja-JP" altLang="en-US"/>
+          </a:p>
+        </p:txBody>
+      </p:sp>
+    </p:spTree>
+    <p:extLst>
+      <p:ext uri="{BB962C8B-B14F-4D97-AF65-F5344CB8AC3E}">
+        <p14:creationId xmlns:p14="http://schemas.microsoft.com/office/powerpoint/2010/main" val="2932275863"/>
       </p:ext>
     </p:extLst>
   </p:cSld>
@@ -869,7 +1130,7 @@
           <a:p>
             <a:fld id="{95D9FBE0-52DA-4608-B6A1-19BCF797002B}" type="datetimeFigureOut">
               <a:rPr kumimoji="1" lang="ja-JP" altLang="en-US" smtClean="0"/>
-              <a:t>2018/1/30</a:t>
+              <a:t>2018/2/1</a:t>
             </a:fld>
             <a:endParaRPr kumimoji="1" lang="ja-JP" altLang="en-US"/>
           </a:p>
@@ -1207,7 +1468,7 @@
           <a:p>
             <a:fld id="{95D9FBE0-52DA-4608-B6A1-19BCF797002B}" type="datetimeFigureOut">
               <a:rPr kumimoji="1" lang="ja-JP" altLang="en-US" smtClean="0"/>
-              <a:t>2018/1/30</a:t>
+              <a:t>2018/2/1</a:t>
             </a:fld>
             <a:endParaRPr kumimoji="1" lang="ja-JP" altLang="en-US"/>
           </a:p>
@@ -1608,7 +1869,7 @@
           <a:p>
             <a:fld id="{95D9FBE0-52DA-4608-B6A1-19BCF797002B}" type="datetimeFigureOut">
               <a:rPr kumimoji="1" lang="ja-JP" altLang="en-US" smtClean="0"/>
-              <a:t>2018/1/30</a:t>
+              <a:t>2018/2/1</a:t>
             </a:fld>
             <a:endParaRPr kumimoji="1" lang="ja-JP" altLang="en-US"/>
           </a:p>
@@ -1943,7 +2204,7 @@
           <a:p>
             <a:fld id="{95D9FBE0-52DA-4608-B6A1-19BCF797002B}" type="datetimeFigureOut">
               <a:rPr kumimoji="1" lang="ja-JP" altLang="en-US" smtClean="0"/>
-              <a:t>2018/1/30</a:t>
+              <a:t>2018/2/1</a:t>
             </a:fld>
             <a:endParaRPr kumimoji="1" lang="ja-JP" altLang="en-US"/>
           </a:p>
@@ -2263,7 +2524,7 @@
           <a:p>
             <a:fld id="{95D9FBE0-52DA-4608-B6A1-19BCF797002B}" type="datetimeFigureOut">
               <a:rPr kumimoji="1" lang="ja-JP" altLang="en-US" smtClean="0"/>
-              <a:t>2018/1/30</a:t>
+              <a:t>2018/2/1</a:t>
             </a:fld>
             <a:endParaRPr kumimoji="1" lang="ja-JP" altLang="en-US"/>
           </a:p>
@@ -2659,7 +2920,7 @@
           <a:p>
             <a:fld id="{95D9FBE0-52DA-4608-B6A1-19BCF797002B}" type="datetimeFigureOut">
               <a:rPr kumimoji="1" lang="ja-JP" altLang="en-US" smtClean="0"/>
-              <a:t>2018/1/30</a:t>
+              <a:t>2018/2/1</a:t>
             </a:fld>
             <a:endParaRPr kumimoji="1" lang="ja-JP" altLang="en-US"/>
           </a:p>
@@ -2948,7 +3209,7 @@
           <a:p>
             <a:fld id="{95D9FBE0-52DA-4608-B6A1-19BCF797002B}" type="datetimeFigureOut">
               <a:rPr kumimoji="1" lang="ja-JP" altLang="en-US" smtClean="0"/>
-              <a:t>2018/1/30</a:t>
+              <a:t>2018/2/1</a:t>
             </a:fld>
             <a:endParaRPr kumimoji="1" lang="ja-JP" altLang="en-US"/>
           </a:p>
@@ -3242,7 +3503,7 @@
           <a:p>
             <a:fld id="{95D9FBE0-52DA-4608-B6A1-19BCF797002B}" type="datetimeFigureOut">
               <a:rPr kumimoji="1" lang="ja-JP" altLang="en-US" smtClean="0"/>
-              <a:t>2018/1/30</a:t>
+              <a:t>2018/2/1</a:t>
             </a:fld>
             <a:endParaRPr kumimoji="1" lang="ja-JP" altLang="en-US"/>
           </a:p>
@@ -3536,7 +3797,7 @@
           <a:p>
             <a:fld id="{95D9FBE0-52DA-4608-B6A1-19BCF797002B}" type="datetimeFigureOut">
               <a:rPr kumimoji="1" lang="ja-JP" altLang="en-US" smtClean="0"/>
-              <a:t>2018/1/30</a:t>
+              <a:t>2018/2/1</a:t>
             </a:fld>
             <a:endParaRPr kumimoji="1" lang="ja-JP" altLang="en-US"/>
           </a:p>
@@ -3865,7 +4126,7 @@
           <a:p>
             <a:fld id="{95D9FBE0-52DA-4608-B6A1-19BCF797002B}" type="datetimeFigureOut">
               <a:rPr kumimoji="1" lang="ja-JP" altLang="en-US" smtClean="0"/>
-              <a:t>2018/1/30</a:t>
+              <a:t>2018/2/1</a:t>
             </a:fld>
             <a:endParaRPr kumimoji="1" lang="ja-JP" altLang="en-US"/>
           </a:p>
@@ -4252,7 +4513,7 @@
           <a:p>
             <a:fld id="{95D9FBE0-52DA-4608-B6A1-19BCF797002B}" type="datetimeFigureOut">
               <a:rPr kumimoji="1" lang="ja-JP" altLang="en-US" smtClean="0"/>
-              <a:t>2018/1/30</a:t>
+              <a:t>2018/2/1</a:t>
             </a:fld>
             <a:endParaRPr kumimoji="1" lang="ja-JP" altLang="en-US"/>
           </a:p>
@@ -4773,7 +5034,7 @@
           <a:p>
             <a:fld id="{95D9FBE0-52DA-4608-B6A1-19BCF797002B}" type="datetimeFigureOut">
               <a:rPr kumimoji="1" lang="ja-JP" altLang="en-US" smtClean="0"/>
-              <a:t>2018/1/30</a:t>
+              <a:t>2018/2/1</a:t>
             </a:fld>
             <a:endParaRPr kumimoji="1" lang="ja-JP" altLang="en-US"/>
           </a:p>
@@ -4978,7 +5239,7 @@
           <a:p>
             <a:fld id="{95D9FBE0-52DA-4608-B6A1-19BCF797002B}" type="datetimeFigureOut">
               <a:rPr kumimoji="1" lang="ja-JP" altLang="en-US" smtClean="0"/>
-              <a:t>2018/1/30</a:t>
+              <a:t>2018/2/1</a:t>
             </a:fld>
             <a:endParaRPr kumimoji="1" lang="ja-JP" altLang="en-US"/>
           </a:p>
@@ -5155,7 +5416,7 @@
           <a:p>
             <a:fld id="{95D9FBE0-52DA-4608-B6A1-19BCF797002B}" type="datetimeFigureOut">
               <a:rPr kumimoji="1" lang="ja-JP" altLang="en-US" smtClean="0"/>
-              <a:t>2018/1/30</a:t>
+              <a:t>2018/2/1</a:t>
             </a:fld>
             <a:endParaRPr kumimoji="1" lang="ja-JP" altLang="en-US"/>
           </a:p>
@@ -5520,7 +5781,7 @@
           <a:p>
             <a:fld id="{95D9FBE0-52DA-4608-B6A1-19BCF797002B}" type="datetimeFigureOut">
               <a:rPr kumimoji="1" lang="ja-JP" altLang="en-US" smtClean="0"/>
-              <a:t>2018/1/30</a:t>
+              <a:t>2018/2/1</a:t>
             </a:fld>
             <a:endParaRPr kumimoji="1" lang="ja-JP" altLang="en-US"/>
           </a:p>
@@ -5865,7 +6126,7 @@
           <a:p>
             <a:fld id="{95D9FBE0-52DA-4608-B6A1-19BCF797002B}" type="datetimeFigureOut">
               <a:rPr kumimoji="1" lang="ja-JP" altLang="en-US" smtClean="0"/>
-              <a:t>2018/1/30</a:t>
+              <a:t>2018/2/1</a:t>
             </a:fld>
             <a:endParaRPr kumimoji="1" lang="ja-JP" altLang="en-US"/>
           </a:p>
@@ -8014,7 +8275,7 @@
           <a:p>
             <a:fld id="{95D9FBE0-52DA-4608-B6A1-19BCF797002B}" type="datetimeFigureOut">
               <a:rPr kumimoji="1" lang="ja-JP" altLang="en-US" smtClean="0"/>
-              <a:t>2018/1/30</a:t>
+              <a:t>2018/2/1</a:t>
             </a:fld>
             <a:endParaRPr kumimoji="1" lang="ja-JP" altLang="en-US"/>
           </a:p>
@@ -8608,7 +8869,6 @@
             </a:endParaRPr>
           </a:p>
           <a:p>
-            <a:pPr algn="dist"/>
             <a:r>
               <a:rPr lang="en-US" altLang="ja-JP" sz="2800" dirty="0">
                 <a:latin typeface="+mn-ea"/>
@@ -8619,7 +8879,7 @@
               <a:rPr lang="ja-JP" altLang="en-US" sz="2800" dirty="0">
                 <a:latin typeface="+mn-ea"/>
               </a:rPr>
-              <a:t>　西田 絢</a:t>
+              <a:t>　 西田  絢</a:t>
             </a:r>
             <a:endParaRPr kumimoji="1" lang="ja-JP" altLang="en-US" sz="2800" dirty="0">
               <a:latin typeface="+mn-ea"/>
@@ -9782,7 +10042,31 @@
               <a:rPr kumimoji="1" lang="ja-JP" altLang="en-US" sz="2800" dirty="0">
                 <a:latin typeface="+mn-ea"/>
               </a:rPr>
-              <a:t>高速案内の製作に取り掛かる頃には授業期間の６～７割が終わっていた</a:t>
+              <a:t>高速案内の製作に取り掛かる頃には授業期間の</a:t>
+            </a:r>
+            <a:r>
+              <a:rPr kumimoji="1" lang="en-US" altLang="ja-JP" sz="2800" dirty="0">
+                <a:latin typeface="+mn-ea"/>
+              </a:rPr>
+              <a:t>7</a:t>
+            </a:r>
+            <a:r>
+              <a:rPr kumimoji="1" lang="ja-JP" altLang="en-US" sz="2800" dirty="0">
+                <a:latin typeface="+mn-ea"/>
+              </a:rPr>
+              <a:t>～</a:t>
+            </a:r>
+            <a:r>
+              <a:rPr kumimoji="1" lang="en-US" altLang="ja-JP" sz="2800" dirty="0">
+                <a:latin typeface="+mn-ea"/>
+              </a:rPr>
+              <a:t>8</a:t>
+            </a:r>
+            <a:r>
+              <a:rPr kumimoji="1" lang="ja-JP" altLang="en-US" sz="2800" dirty="0">
+                <a:latin typeface="+mn-ea"/>
+              </a:rPr>
+              <a:t>割が終わっていた</a:t>
             </a:r>
             <a:r>
               <a:rPr kumimoji="1" lang="en-US" altLang="ja-JP" sz="2800" dirty="0">
@@ -10823,25 +11107,13 @@
               <a:rPr kumimoji="1" lang="en-US" altLang="ja-JP" sz="2800" dirty="0">
                 <a:sym typeface="Wingdings" panose="05000000000000000000" pitchFamily="2" charset="2"/>
               </a:rPr>
-              <a:t>(</a:t>
+              <a:t>(Blade),</a:t>
             </a:r>
             <a:r>
               <a:rPr kumimoji="1" lang="en-US" altLang="ja-JP" sz="2800" dirty="0" err="1">
                 <a:sym typeface="Wingdings" panose="05000000000000000000" pitchFamily="2" charset="2"/>
               </a:rPr>
-              <a:t>Brade</a:t>
-            </a:r>
-            <a:r>
-              <a:rPr kumimoji="1" lang="en-US" altLang="ja-JP" sz="2800" dirty="0">
-                <a:sym typeface="Wingdings" panose="05000000000000000000" pitchFamily="2" charset="2"/>
-              </a:rPr>
-              <a:t>),</a:t>
-            </a:r>
-            <a:r>
-              <a:rPr kumimoji="1" lang="en-US" altLang="ja-JP" sz="2800" dirty="0" err="1">
-                <a:sym typeface="Wingdings" panose="05000000000000000000" pitchFamily="2" charset="2"/>
-              </a:rPr>
-              <a:t>PHP,JavaScript,Json,jQuery</a:t>
+              <a:t>PHP,JavaScript,XML,jQuery</a:t>
             </a:r>
             <a:r>
               <a:rPr kumimoji="1" lang="en-US" altLang="ja-JP" sz="2800" dirty="0">
@@ -11134,7 +11406,7 @@
                 </a:solidFill>
                 <a:latin typeface="+mn-ea"/>
               </a:rPr>
-              <a:t>HTML,CSS(Blade),</a:t>
+              <a:t>HTML,CSS, Blade,</a:t>
             </a:r>
             <a:r>
               <a:rPr kumimoji="1" lang="ja-JP" altLang="en-US" sz="2800" dirty="0">
@@ -11146,81 +11418,75 @@
               <a:t>少し</a:t>
             </a:r>
             <a:r>
-              <a:rPr kumimoji="1" lang="en-US" altLang="ja-JP" sz="2800" dirty="0">
-                <a:solidFill>
-                  <a:srgbClr val="C00000"/>
-                </a:solidFill>
-                <a:latin typeface="+mn-ea"/>
-              </a:rPr>
-              <a:t>PHP,</a:t>
-            </a:r>
-            <a:r>
-              <a:rPr kumimoji="1" lang="ja-JP" altLang="en-US" sz="2800" dirty="0">
-                <a:solidFill>
-                  <a:srgbClr val="C00000"/>
-                </a:solidFill>
-                <a:latin typeface="+mn-ea"/>
-              </a:rPr>
-              <a:t>少し</a:t>
-            </a:r>
-            <a:r>
-              <a:rPr kumimoji="1" lang="en-US" altLang="ja-JP" sz="2800" dirty="0">
-                <a:solidFill>
-                  <a:srgbClr val="C00000"/>
-                </a:solidFill>
-                <a:latin typeface="+mn-ea"/>
-              </a:rPr>
-              <a:t>JavaScript</a:t>
-            </a:r>
-          </a:p>
-          <a:p>
-            <a:endParaRPr kumimoji="1" lang="en-US" altLang="ja-JP" sz="2800" dirty="0">
-              <a:latin typeface="+mn-ea"/>
-            </a:endParaRPr>
-          </a:p>
-          <a:p>
-            <a:r>
-              <a:rPr kumimoji="1" lang="ja-JP" altLang="en-US" sz="3200" dirty="0">
-                <a:latin typeface="+mn-ea"/>
-              </a:rPr>
-              <a:t>西田：</a:t>
-            </a:r>
-            <a:r>
-              <a:rPr kumimoji="1" lang="ja-JP" altLang="en-US" sz="2800" dirty="0">
-                <a:latin typeface="+mn-ea"/>
-              </a:rPr>
-              <a:t>環境導入，今回初めて使う機能の勉強，アイコン画像製作，</a:t>
-            </a:r>
-            <a:endParaRPr kumimoji="1" lang="en-US" altLang="ja-JP" sz="2800" dirty="0">
-              <a:latin typeface="+mn-ea"/>
-            </a:endParaRPr>
-          </a:p>
-          <a:p>
-            <a:r>
-              <a:rPr kumimoji="1" lang="ja-JP" altLang="en-US" sz="2800" dirty="0">
-                <a:latin typeface="+mn-ea"/>
-              </a:rPr>
-              <a:t>　　　動作部等の動きがある部分のプログラム全般</a:t>
-            </a:r>
-            <a:endParaRPr kumimoji="1" lang="en-US" altLang="ja-JP" sz="2800" dirty="0">
-              <a:latin typeface="+mn-ea"/>
-            </a:endParaRPr>
-          </a:p>
-          <a:p>
-            <a:r>
-              <a:rPr kumimoji="1" lang="ja-JP" altLang="en-US" sz="2800" dirty="0">
-                <a:latin typeface="+mn-ea"/>
-              </a:rPr>
-              <a:t>　　　</a:t>
-            </a:r>
-            <a:r>
               <a:rPr kumimoji="1" lang="en-US" altLang="ja-JP" sz="2800" dirty="0" err="1">
                 <a:solidFill>
                   <a:srgbClr val="C00000"/>
                 </a:solidFill>
                 <a:latin typeface="+mn-ea"/>
               </a:rPr>
-              <a:t>PHP,JavaScript,Json</a:t>
+              <a:t>JavaScript,jQuery</a:t>
+            </a:r>
+            <a:endParaRPr kumimoji="1" lang="en-US" altLang="ja-JP" sz="2800" dirty="0">
+              <a:solidFill>
+                <a:srgbClr val="C00000"/>
+              </a:solidFill>
+              <a:latin typeface="+mn-ea"/>
+            </a:endParaRPr>
+          </a:p>
+          <a:p>
+            <a:endParaRPr kumimoji="1" lang="en-US" altLang="ja-JP" sz="2800" dirty="0">
+              <a:latin typeface="+mn-ea"/>
+            </a:endParaRPr>
+          </a:p>
+          <a:p>
+            <a:r>
+              <a:rPr kumimoji="1" lang="ja-JP" altLang="en-US" sz="3200" dirty="0">
+                <a:latin typeface="+mn-ea"/>
+              </a:rPr>
+              <a:t>西田：</a:t>
+            </a:r>
+            <a:r>
+              <a:rPr kumimoji="1" lang="ja-JP" altLang="en-US" sz="2800" dirty="0">
+                <a:latin typeface="+mn-ea"/>
+              </a:rPr>
+              <a:t>環境導入，今回初めて使う機能の勉強，</a:t>
+            </a:r>
+            <a:endParaRPr kumimoji="1" lang="en-US" altLang="ja-JP" sz="2800" dirty="0">
+              <a:latin typeface="+mn-ea"/>
+            </a:endParaRPr>
+          </a:p>
+          <a:p>
+            <a:r>
+              <a:rPr kumimoji="1" lang="en-US" altLang="ja-JP" sz="2800" dirty="0">
+                <a:latin typeface="+mn-ea"/>
+              </a:rPr>
+              <a:t>		  </a:t>
+            </a:r>
+            <a:r>
+              <a:rPr kumimoji="1" lang="ja-JP" altLang="en-US" sz="2800" dirty="0">
+                <a:latin typeface="+mn-ea"/>
+              </a:rPr>
+              <a:t>アイコン画像製作，内部設計</a:t>
+            </a:r>
+            <a:endParaRPr kumimoji="1" lang="en-US" altLang="ja-JP" sz="2800" dirty="0">
+              <a:latin typeface="+mn-ea"/>
+            </a:endParaRPr>
+          </a:p>
+          <a:p>
+            <a:r>
+              <a:rPr kumimoji="1" lang="ja-JP" altLang="en-US" sz="2800" dirty="0">
+                <a:latin typeface="+mn-ea"/>
+              </a:rPr>
+              <a:t>　　　</a:t>
+            </a:r>
+            <a:r>
+              <a:rPr kumimoji="1" lang="en-US" altLang="ja-JP" sz="2800" dirty="0" err="1">
+                <a:solidFill>
+                  <a:srgbClr val="C00000"/>
+                </a:solidFill>
+                <a:latin typeface="+mn-ea"/>
+              </a:rPr>
+              <a:t>PHP,Blade,JavaScript,Json,XML</a:t>
             </a:r>
             <a:r>
               <a:rPr kumimoji="1" lang="en-US" altLang="ja-JP" sz="2800" dirty="0">
@@ -11607,7 +11873,7 @@
         <p:spPr>
           <a:xfrm>
             <a:off x="578269" y="1595021"/>
-            <a:ext cx="11613732" cy="3539430"/>
+            <a:ext cx="11613732" cy="4832092"/>
           </a:xfrm>
           <a:prstGeom prst="rect">
             <a:avLst/>
@@ -11672,6 +11938,31 @@
             <a:r>
               <a:rPr kumimoji="1" lang="ja-JP" altLang="en-US" sz="2800" dirty="0"/>
               <a:t>周辺のグルメ情報や宿情報表示</a:t>
+            </a:r>
+            <a:endParaRPr kumimoji="1" lang="en-US" altLang="ja-JP" sz="2800" dirty="0"/>
+          </a:p>
+          <a:p>
+            <a:endParaRPr kumimoji="1" lang="en-US" altLang="ja-JP" sz="2800" dirty="0"/>
+          </a:p>
+          <a:p>
+            <a:r>
+              <a:rPr kumimoji="1" lang="ja-JP" altLang="en-US" sz="2800" dirty="0"/>
+              <a:t>・スマートフォンやパソコン等、どの媒体でも快適に閲覧できるよう、</a:t>
+            </a:r>
+            <a:endParaRPr kumimoji="1" lang="en-US" altLang="ja-JP" sz="2800" dirty="0"/>
+          </a:p>
+          <a:p>
+            <a:r>
+              <a:rPr kumimoji="1" lang="ja-JP" altLang="en-US" sz="2800" dirty="0"/>
+              <a:t>　通信時の画面サイズにより</a:t>
+            </a:r>
+            <a:r>
+              <a:rPr kumimoji="1" lang="en-US" altLang="ja-JP" sz="2800" dirty="0"/>
+              <a:t>CSS</a:t>
+            </a:r>
+            <a:r>
+              <a:rPr kumimoji="1" lang="ja-JP" altLang="en-US" sz="2800" dirty="0"/>
+              <a:t>を書き換えるプログラム</a:t>
             </a:r>
             <a:endParaRPr kumimoji="1" lang="en-US" altLang="ja-JP" sz="2800" dirty="0"/>
           </a:p>
@@ -11744,10 +12035,10 @@
       </p:sp>
       <p:grpSp>
         <p:nvGrpSpPr>
-          <p:cNvPr id="10" name="グループ化 9">
+          <p:cNvPr id="6" name="グループ化 5">
             <a:extLst>
               <a:ext uri="{FF2B5EF4-FFF2-40B4-BE49-F238E27FC236}">
-                <a16:creationId xmlns:a16="http://schemas.microsoft.com/office/drawing/2014/main" id="{72078FA5-3044-4A2F-AAD5-C2E1BE637A33}"/>
+                <a16:creationId xmlns:a16="http://schemas.microsoft.com/office/drawing/2014/main" id="{DC9E22C8-D185-4E81-9C5B-5793ECC7B3A9}"/>
               </a:ext>
             </a:extLst>
           </p:cNvPr>
@@ -11756,220 +12047,29 @@
         </p:nvGrpSpPr>
         <p:grpSpPr>
           <a:xfrm>
-            <a:off x="1229241" y="1775059"/>
+            <a:off x="1229241" y="2841859"/>
             <a:ext cx="1110342" cy="1653941"/>
-            <a:chOff x="1621972" y="2062553"/>
-            <a:chExt cx="1110342" cy="1653941"/>
-          </a:xfrm>
-        </p:grpSpPr>
-        <p:grpSp>
-          <p:nvGrpSpPr>
-            <p:cNvPr id="6" name="グループ化 5">
-              <a:extLst>
-                <a:ext uri="{FF2B5EF4-FFF2-40B4-BE49-F238E27FC236}">
-                  <a16:creationId xmlns:a16="http://schemas.microsoft.com/office/drawing/2014/main" id="{DC9E22C8-D185-4E81-9C5B-5793ECC7B3A9}"/>
-                </a:ext>
-              </a:extLst>
-            </p:cNvPr>
-            <p:cNvGrpSpPr/>
-            <p:nvPr/>
-          </p:nvGrpSpPr>
-          <p:grpSpPr>
-            <a:xfrm>
-              <a:off x="1621972" y="2062553"/>
-              <a:ext cx="1110342" cy="1653941"/>
-              <a:chOff x="1654629" y="1958055"/>
-              <a:chExt cx="1110342" cy="1656002"/>
-            </a:xfrm>
-            <a:solidFill>
-              <a:srgbClr val="FF9966"/>
-            </a:solidFill>
-            <a:effectLst>
-              <a:glow rad="139700">
-                <a:schemeClr val="accent1">
-                  <a:satMod val="175000"/>
-                  <a:alpha val="40000"/>
-                </a:schemeClr>
-              </a:glow>
-            </a:effectLst>
-          </p:grpSpPr>
-          <p:sp>
-            <p:nvSpPr>
-              <p:cNvPr id="7" name="二等辺三角形 6">
-                <a:extLst>
-                  <a:ext uri="{FF2B5EF4-FFF2-40B4-BE49-F238E27FC236}">
-                    <a16:creationId xmlns:a16="http://schemas.microsoft.com/office/drawing/2014/main" id="{003B6351-D632-46D0-A1D0-220792DB5B78}"/>
-                  </a:ext>
-                </a:extLst>
-              </p:cNvPr>
-              <p:cNvSpPr/>
-              <p:nvPr/>
-            </p:nvSpPr>
-            <p:spPr>
-              <a:xfrm>
-                <a:off x="1654629" y="2373086"/>
-                <a:ext cx="1110342" cy="1240971"/>
-              </a:xfrm>
-              <a:prstGeom prst="triangle">
-                <a:avLst/>
-              </a:prstGeom>
-              <a:grpFill/>
-              <a:ln>
-                <a:solidFill>
-                  <a:srgbClr val="C00000"/>
-                </a:solidFill>
-              </a:ln>
-            </p:spPr>
-            <p:style>
-              <a:lnRef idx="2">
-                <a:schemeClr val="accent1">
-                  <a:shade val="50000"/>
-                </a:schemeClr>
-              </a:lnRef>
-              <a:fillRef idx="1">
-                <a:schemeClr val="accent1"/>
-              </a:fillRef>
-              <a:effectRef idx="0">
-                <a:schemeClr val="accent1"/>
-              </a:effectRef>
-              <a:fontRef idx="minor">
-                <a:schemeClr val="lt1"/>
-              </a:fontRef>
-            </p:style>
-            <p:txBody>
-              <a:bodyPr rtlCol="0" anchor="ctr"/>
-              <a:lstStyle/>
-              <a:p>
-                <a:pPr algn="ctr"/>
-                <a:endParaRPr kumimoji="1" lang="ja-JP" altLang="en-US"/>
-              </a:p>
-            </p:txBody>
-          </p:sp>
-          <p:sp>
-            <p:nvSpPr>
-              <p:cNvPr id="8" name="フローチャート: 結合子 7">
-                <a:extLst>
-                  <a:ext uri="{FF2B5EF4-FFF2-40B4-BE49-F238E27FC236}">
-                    <a16:creationId xmlns:a16="http://schemas.microsoft.com/office/drawing/2014/main" id="{47DD24AC-A4C7-46EE-B1EB-30DD0E814D19}"/>
-                  </a:ext>
-                </a:extLst>
-              </p:cNvPr>
-              <p:cNvSpPr/>
-              <p:nvPr/>
-            </p:nvSpPr>
-            <p:spPr>
-              <a:xfrm>
-                <a:off x="1784412" y="1958055"/>
-                <a:ext cx="865837" cy="830062"/>
-              </a:xfrm>
-              <a:prstGeom prst="flowChartConnector">
-                <a:avLst/>
-              </a:prstGeom>
-              <a:grpFill/>
-              <a:ln>
-                <a:solidFill>
-                  <a:srgbClr val="C00000"/>
-                </a:solidFill>
-              </a:ln>
-            </p:spPr>
-            <p:style>
-              <a:lnRef idx="2">
-                <a:schemeClr val="accent1">
-                  <a:shade val="50000"/>
-                </a:schemeClr>
-              </a:lnRef>
-              <a:fillRef idx="1">
-                <a:schemeClr val="accent1"/>
-              </a:fillRef>
-              <a:effectRef idx="0">
-                <a:schemeClr val="accent1"/>
-              </a:effectRef>
-              <a:fontRef idx="minor">
-                <a:schemeClr val="lt1"/>
-              </a:fontRef>
-            </p:style>
-            <p:txBody>
-              <a:bodyPr rtlCol="0" anchor="ctr"/>
-              <a:lstStyle/>
-              <a:p>
-                <a:pPr algn="ctr"/>
-                <a:endParaRPr kumimoji="1" lang="ja-JP" altLang="en-US"/>
-              </a:p>
-            </p:txBody>
-          </p:sp>
-        </p:grpSp>
-        <p:sp>
-          <p:nvSpPr>
-            <p:cNvPr id="9" name="テキスト ボックス 8">
-              <a:extLst>
-                <a:ext uri="{FF2B5EF4-FFF2-40B4-BE49-F238E27FC236}">
-                  <a16:creationId xmlns:a16="http://schemas.microsoft.com/office/drawing/2014/main" id="{FFB39737-AD5C-42D9-BFA0-6A098EE910DB}"/>
-                </a:ext>
-              </a:extLst>
-            </p:cNvPr>
-            <p:cNvSpPr txBox="1"/>
-            <p:nvPr/>
-          </p:nvSpPr>
-          <p:spPr>
-            <a:xfrm>
-              <a:off x="1861507" y="2153901"/>
-              <a:ext cx="646331" cy="646331"/>
-            </a:xfrm>
-            <a:prstGeom prst="rect">
-              <a:avLst/>
-            </a:prstGeom>
-            <a:noFill/>
-          </p:spPr>
-          <p:txBody>
-            <a:bodyPr wrap="none" rtlCol="0">
-              <a:spAutoFit/>
-            </a:bodyPr>
-            <a:lstStyle/>
-            <a:p>
-              <a:r>
-                <a:rPr kumimoji="1" lang="ja-JP" altLang="en-US" sz="3600" dirty="0"/>
-                <a:t>山</a:t>
-              </a:r>
-            </a:p>
-          </p:txBody>
-        </p:sp>
-      </p:grpSp>
-      <p:grpSp>
-        <p:nvGrpSpPr>
-          <p:cNvPr id="5" name="グループ化 4">
-            <a:extLst>
-              <a:ext uri="{FF2B5EF4-FFF2-40B4-BE49-F238E27FC236}">
-                <a16:creationId xmlns:a16="http://schemas.microsoft.com/office/drawing/2014/main" id="{C269014B-D7CD-438D-B2F9-F3DAE0A14A2F}"/>
-              </a:ext>
-            </a:extLst>
-          </p:cNvPr>
-          <p:cNvGrpSpPr/>
-          <p:nvPr/>
-        </p:nvGrpSpPr>
-        <p:grpSpPr>
-          <a:xfrm>
-            <a:off x="1229241" y="4340189"/>
-            <a:ext cx="1110342" cy="1656002"/>
             <a:chOff x="1654629" y="1958055"/>
             <a:chExt cx="1110342" cy="1656002"/>
           </a:xfrm>
           <a:solidFill>
-            <a:srgbClr val="CCECFF"/>
+            <a:srgbClr val="FF9966"/>
           </a:solidFill>
           <a:effectLst>
             <a:glow rad="139700">
-              <a:srgbClr val="4461F2">
+              <a:schemeClr val="accent1">
+                <a:satMod val="175000"/>
                 <a:alpha val="40000"/>
-              </a:srgbClr>
+              </a:schemeClr>
             </a:glow>
           </a:effectLst>
         </p:grpSpPr>
         <p:sp>
           <p:nvSpPr>
-            <p:cNvPr id="4" name="二等辺三角形 3">
+            <p:cNvPr id="7" name="二等辺三角形 6">
               <a:extLst>
                 <a:ext uri="{FF2B5EF4-FFF2-40B4-BE49-F238E27FC236}">
-                  <a16:creationId xmlns:a16="http://schemas.microsoft.com/office/drawing/2014/main" id="{84335E4B-B6CF-494E-A208-35BFCB27E10D}"/>
+                  <a16:creationId xmlns:a16="http://schemas.microsoft.com/office/drawing/2014/main" id="{003B6351-D632-46D0-A1D0-220792DB5B78}"/>
                 </a:ext>
               </a:extLst>
             </p:cNvPr>
@@ -12018,10 +12118,10 @@
         </p:sp>
         <p:sp>
           <p:nvSpPr>
-            <p:cNvPr id="3" name="フローチャート: 結合子 2">
+            <p:cNvPr id="8" name="フローチャート: 結合子 7">
               <a:extLst>
                 <a:ext uri="{FF2B5EF4-FFF2-40B4-BE49-F238E27FC236}">
-                  <a16:creationId xmlns:a16="http://schemas.microsoft.com/office/drawing/2014/main" id="{8860CCFB-84F3-4DED-976E-346E70B02A28}"/>
+                  <a16:creationId xmlns:a16="http://schemas.microsoft.com/office/drawing/2014/main" id="{47DD24AC-A4C7-46EE-B1EB-30DD0E814D19}"/>
                 </a:ext>
               </a:extLst>
             </p:cNvPr>
@@ -12071,41 +12171,6 @@
       </p:grpSp>
       <p:sp>
         <p:nvSpPr>
-          <p:cNvPr id="11" name="テキスト ボックス 10">
-            <a:extLst>
-              <a:ext uri="{FF2B5EF4-FFF2-40B4-BE49-F238E27FC236}">
-                <a16:creationId xmlns:a16="http://schemas.microsoft.com/office/drawing/2014/main" id="{AFFB1011-0888-49E4-A5DB-412B2A66B039}"/>
-              </a:ext>
-            </a:extLst>
-          </p:cNvPr>
-          <p:cNvSpPr txBox="1"/>
-          <p:nvPr/>
-        </p:nvSpPr>
-        <p:spPr>
-          <a:xfrm>
-            <a:off x="1468776" y="4432054"/>
-            <a:ext cx="646331" cy="646331"/>
-          </a:xfrm>
-          <a:prstGeom prst="rect">
-            <a:avLst/>
-          </a:prstGeom>
-          <a:noFill/>
-        </p:spPr>
-        <p:txBody>
-          <a:bodyPr wrap="none" rtlCol="0">
-            <a:spAutoFit/>
-          </a:bodyPr>
-          <a:lstStyle/>
-          <a:p>
-            <a:r>
-              <a:rPr kumimoji="1" lang="ja-JP" altLang="en-US" sz="3600" dirty="0"/>
-              <a:t>西</a:t>
-            </a:r>
-          </a:p>
-        </p:txBody>
-      </p:sp>
-      <p:sp>
-        <p:nvSpPr>
           <p:cNvPr id="13" name="吹き出し: 角を丸めた四角形 12">
             <a:extLst>
               <a:ext uri="{FF2B5EF4-FFF2-40B4-BE49-F238E27FC236}">
@@ -12118,8 +12183,8 @@
         </p:nvSpPr>
         <p:spPr>
           <a:xfrm>
-            <a:off x="2950029" y="1278385"/>
-            <a:ext cx="8904513" cy="2509844"/>
+            <a:off x="2950029" y="1981200"/>
+            <a:ext cx="8904513" cy="4344139"/>
           </a:xfrm>
           <a:prstGeom prst="wedgeRoundRectCallout">
             <a:avLst>
@@ -12158,15 +12223,15 @@
           <a:lstStyle/>
           <a:p>
             <a:r>
-              <a:rPr kumimoji="1" lang="ja-JP" altLang="en-US" sz="2000" dirty="0">
+              <a:rPr kumimoji="1" lang="ja-JP" altLang="en-US" sz="2400" dirty="0">
                 <a:solidFill>
                   <a:schemeClr val="tx1"/>
                 </a:solidFill>
               </a:rPr>
-              <a:t>学校の授業では「</a:t>
-            </a:r>
-            <a:r>
-              <a:rPr kumimoji="1" lang="ja-JP" altLang="en-US" sz="2000" dirty="0" err="1">
+              <a:t>・学校の授業では「</a:t>
+            </a:r>
+            <a:r>
+              <a:rPr kumimoji="1" lang="ja-JP" altLang="en-US" sz="2400" dirty="0" err="1">
                 <a:solidFill>
                   <a:schemeClr val="tx1"/>
                 </a:solidFill>
@@ -12174,14 +12239,14 @@
               <a:t>ぺらっと</a:t>
             </a:r>
             <a:r>
-              <a:rPr kumimoji="1" lang="ja-JP" altLang="en-US" sz="2000" dirty="0">
+              <a:rPr kumimoji="1" lang="ja-JP" altLang="en-US" sz="2400" dirty="0">
                 <a:solidFill>
                   <a:schemeClr val="tx1"/>
                 </a:solidFill>
               </a:rPr>
               <a:t>一枚作る」ようなプログラムが多い中、きちんとしたフレームワークを導入したコアな開発ができて良かった。</a:t>
             </a:r>
-            <a:endParaRPr kumimoji="1" lang="en-US" altLang="ja-JP" sz="2000" dirty="0">
+            <a:endParaRPr kumimoji="1" lang="en-US" altLang="ja-JP" sz="2400" dirty="0">
               <a:solidFill>
                 <a:schemeClr val="tx1"/>
               </a:solidFill>
@@ -12189,15 +12254,22 @@
           </a:p>
           <a:p>
             <a:r>
-              <a:rPr kumimoji="1" lang="ja-JP" altLang="en-US" sz="2000" dirty="0">
+              <a:rPr kumimoji="1" lang="ja-JP" altLang="en-US" sz="2400" dirty="0">
                 <a:solidFill>
                   <a:schemeClr val="tx1"/>
                 </a:solidFill>
               </a:rPr>
               <a:t>その分ぶち当たる難題が多く、問題もたくさんあったが、</a:t>
             </a:r>
-            <a:r>
-              <a:rPr kumimoji="1" lang="en-US" altLang="ja-JP" sz="2000" dirty="0">
+            <a:endParaRPr kumimoji="1" lang="en-US" altLang="ja-JP" sz="2400">
+              <a:solidFill>
+                <a:schemeClr val="tx1"/>
+              </a:solidFill>
+            </a:endParaRPr>
+          </a:p>
+          <a:p>
+            <a:r>
+              <a:rPr kumimoji="1" lang="en-US" altLang="ja-JP" sz="2400">
                 <a:solidFill>
                   <a:schemeClr val="tx1"/>
                 </a:solidFill>
@@ -12205,7 +12277,7 @@
               <a:t>” </a:t>
             </a:r>
             <a:r>
-              <a:rPr kumimoji="1" lang="ja-JP" altLang="en-US" sz="2000" dirty="0">
+              <a:rPr kumimoji="1" lang="ja-JP" altLang="en-US" sz="2400" dirty="0">
                 <a:solidFill>
                   <a:schemeClr val="tx1"/>
                 </a:solidFill>
@@ -12213,7 +12285,7 @@
               <a:t>授業</a:t>
             </a:r>
             <a:r>
-              <a:rPr kumimoji="1" lang="en-US" altLang="ja-JP" sz="2000" dirty="0">
+              <a:rPr kumimoji="1" lang="en-US" altLang="ja-JP" sz="2400" dirty="0">
                 <a:solidFill>
                   <a:schemeClr val="tx1"/>
                 </a:solidFill>
@@ -12221,138 +12293,77 @@
               <a:t>”</a:t>
             </a:r>
             <a:r>
-              <a:rPr kumimoji="1" lang="ja-JP" altLang="en-US" sz="2000" dirty="0">
+              <a:rPr kumimoji="1" lang="ja-JP" altLang="en-US" sz="2400" dirty="0">
                 <a:solidFill>
                   <a:schemeClr val="tx1"/>
                 </a:solidFill>
               </a:rPr>
               <a:t>としては及第点だと思う。</a:t>
             </a:r>
-            <a:endParaRPr kumimoji="1" lang="en-US" altLang="ja-JP" sz="2000" dirty="0">
+            <a:endParaRPr kumimoji="1" lang="en-US" altLang="ja-JP" sz="2400" dirty="0">
               <a:solidFill>
                 <a:schemeClr val="tx1"/>
               </a:solidFill>
             </a:endParaRPr>
           </a:p>
           <a:p>
-            <a:r>
-              <a:rPr kumimoji="1" lang="ja-JP" altLang="en-US" sz="2000" dirty="0">
+            <a:endParaRPr kumimoji="1" lang="en-US" altLang="ja-JP" sz="2400" dirty="0">
+              <a:solidFill>
+                <a:schemeClr val="tx1"/>
+              </a:solidFill>
+            </a:endParaRPr>
+          </a:p>
+          <a:p>
+            <a:r>
+              <a:rPr kumimoji="1" lang="ja-JP" altLang="en-US" sz="2400" dirty="0">
                 <a:solidFill>
                   <a:schemeClr val="tx1"/>
                 </a:solidFill>
               </a:rPr>
-              <a:t>私は動的なプログラムを書くのが苦手なので西田さんに凄く助けてもらった。本当に有難かった。</a:t>
-            </a:r>
-            <a:endParaRPr kumimoji="1" lang="en-US" altLang="ja-JP" sz="2000" dirty="0">
+              <a:t>・新しく触るものばかりで学習コストが高く、時間がカツカツでしんどい部分も多かった。</a:t>
+            </a:r>
+            <a:endParaRPr kumimoji="1" lang="en-US" altLang="ja-JP" sz="2400" dirty="0">
               <a:solidFill>
                 <a:schemeClr val="tx1"/>
               </a:solidFill>
             </a:endParaRPr>
           </a:p>
           <a:p>
-            <a:r>
-              <a:rPr kumimoji="1" lang="ja-JP" altLang="en-US" sz="2000" dirty="0">
+            <a:endParaRPr kumimoji="1" lang="en-US" altLang="ja-JP" sz="2400" dirty="0">
+              <a:solidFill>
+                <a:schemeClr val="tx1"/>
+              </a:solidFill>
+            </a:endParaRPr>
+          </a:p>
+          <a:p>
+            <a:r>
+              <a:rPr kumimoji="1" lang="ja-JP" altLang="en-US" sz="2400" dirty="0">
                 <a:solidFill>
                   <a:schemeClr val="tx1"/>
                 </a:solidFill>
               </a:rPr>
-              <a:t>この授業を機に苦手だった</a:t>
-            </a:r>
-            <a:r>
-              <a:rPr kumimoji="1" lang="en-US" altLang="ja-JP" sz="2000" dirty="0">
+              <a:t>・高速案内に取り掛かるまでに時間がかかったせいもあるが、</a:t>
+            </a:r>
+            <a:endParaRPr kumimoji="1" lang="en-US" altLang="ja-JP" sz="2400" dirty="0">
+              <a:solidFill>
+                <a:schemeClr val="tx1"/>
+              </a:solidFill>
+            </a:endParaRPr>
+          </a:p>
+          <a:p>
+            <a:r>
+              <a:rPr kumimoji="1" lang="ja-JP" altLang="en-US" sz="2400" dirty="0">
                 <a:solidFill>
                   <a:schemeClr val="tx1"/>
                 </a:solidFill>
               </a:rPr>
-              <a:t>CSS</a:t>
-            </a:r>
-            <a:r>
-              <a:rPr kumimoji="1" lang="ja-JP" altLang="en-US" sz="2000" dirty="0">
-                <a:solidFill>
-                  <a:schemeClr val="tx1"/>
-                </a:solidFill>
-              </a:rPr>
-              <a:t>が楽しくてしょうがないので新たな扉を開いてしまったのかもしれない</a:t>
-            </a:r>
-            <a:r>
-              <a:rPr kumimoji="1" lang="en-US" altLang="ja-JP" sz="2000" dirty="0">
-                <a:solidFill>
-                  <a:schemeClr val="tx1"/>
-                </a:solidFill>
-              </a:rPr>
-              <a:t>…</a:t>
-            </a:r>
-            <a:r>
-              <a:rPr kumimoji="1" lang="ja-JP" altLang="en-US" sz="2000" dirty="0" err="1">
-                <a:solidFill>
-                  <a:schemeClr val="tx1"/>
-                </a:solidFill>
-              </a:rPr>
-              <a:t>。</a:t>
-            </a:r>
-            <a:endParaRPr kumimoji="1" lang="ja-JP" altLang="en-US" sz="2000" dirty="0">
+              <a:t>内部設計の人数が足りなかったように思う。</a:t>
+            </a:r>
+            <a:endParaRPr kumimoji="1" lang="en-US" altLang="ja-JP" sz="2400" dirty="0">
               <a:solidFill>
                 <a:schemeClr val="tx1"/>
               </a:solidFill>
             </a:endParaRPr>
-          </a:p>
-        </p:txBody>
-      </p:sp>
-      <p:sp>
-        <p:nvSpPr>
-          <p:cNvPr id="14" name="吹き出し: 角を丸めた四角形 13">
-            <a:extLst>
-              <a:ext uri="{FF2B5EF4-FFF2-40B4-BE49-F238E27FC236}">
-                <a16:creationId xmlns:a16="http://schemas.microsoft.com/office/drawing/2014/main" id="{BE308994-BED3-4086-A66F-21EF2C6F1519}"/>
-              </a:ext>
-            </a:extLst>
-          </p:cNvPr>
-          <p:cNvSpPr/>
-          <p:nvPr/>
-        </p:nvSpPr>
-        <p:spPr>
-          <a:xfrm>
-            <a:off x="2950029" y="3951514"/>
-            <a:ext cx="8904513" cy="2509843"/>
-          </a:xfrm>
-          <a:prstGeom prst="wedgeRoundRectCallout">
-            <a:avLst>
-              <a:gd name="adj1" fmla="val -55419"/>
-              <a:gd name="adj2" fmla="val -25799"/>
-              <a:gd name="adj3" fmla="val 16667"/>
-            </a:avLst>
-          </a:prstGeom>
-          <a:noFill/>
-          <a:ln w="9525" cap="flat" cmpd="sng" algn="ctr">
-            <a:solidFill>
-              <a:srgbClr val="4461F2"/>
-            </a:solidFill>
-            <a:prstDash val="solid"/>
-            <a:round/>
-            <a:headEnd type="none" w="med" len="med"/>
-            <a:tailEnd type="none" w="med" len="med"/>
-          </a:ln>
-        </p:spPr>
-        <p:style>
-          <a:lnRef idx="0">
-            <a:scrgbClr r="0" g="0" b="0"/>
-          </a:lnRef>
-          <a:fillRef idx="0">
-            <a:scrgbClr r="0" g="0" b="0"/>
-          </a:fillRef>
-          <a:effectRef idx="0">
-            <a:scrgbClr r="0" g="0" b="0"/>
-          </a:effectRef>
-          <a:fontRef idx="minor">
-            <a:schemeClr val="accent1"/>
-          </a:fontRef>
-        </p:style>
-        <p:txBody>
-          <a:bodyPr rtlCol="0" anchor="ctr"/>
-          <a:lstStyle/>
-          <a:p>
-            <a:pPr algn="ctr"/>
-            <a:endParaRPr kumimoji="1" lang="ja-JP" altLang="en-US"/>
           </a:p>
         </p:txBody>
       </p:sp>

--- a/memo/高速案内.pptx
+++ b/memo/高速案内.pptx
@@ -5,7 +5,7 @@
     <p:sldMasterId id="2147483694" r:id="rId1"/>
   </p:sldMasterIdLst>
   <p:notesMasterIdLst>
-    <p:notesMasterId r:id="rId12"/>
+    <p:notesMasterId r:id="rId14"/>
   </p:notesMasterIdLst>
   <p:sldIdLst>
     <p:sldId id="256" r:id="rId2"/>
@@ -13,11 +13,13 @@
     <p:sldId id="257" r:id="rId4"/>
     <p:sldId id="266" r:id="rId5"/>
     <p:sldId id="259" r:id="rId6"/>
-    <p:sldId id="260" r:id="rId7"/>
-    <p:sldId id="261" r:id="rId8"/>
-    <p:sldId id="267" r:id="rId9"/>
-    <p:sldId id="263" r:id="rId10"/>
-    <p:sldId id="268" r:id="rId11"/>
+    <p:sldId id="269" r:id="rId7"/>
+    <p:sldId id="270" r:id="rId8"/>
+    <p:sldId id="260" r:id="rId9"/>
+    <p:sldId id="261" r:id="rId10"/>
+    <p:sldId id="267" r:id="rId11"/>
+    <p:sldId id="263" r:id="rId12"/>
+    <p:sldId id="268" r:id="rId13"/>
   </p:sldIdLst>
   <p:sldSz cx="12192000" cy="6858000"/>
   <p:notesSz cx="6858000" cy="9144000"/>
@@ -902,7 +904,92 @@
           <a:bodyPr/>
           <a:lstStyle/>
           <a:p>
-            <a:endParaRPr kumimoji="1" lang="ja-JP" altLang="en-US"/>
+            <a:r>
+              <a:rPr kumimoji="1" lang="en-US" altLang="ja-JP" dirty="0"/>
+              <a:t>Laravel</a:t>
+            </a:r>
+            <a:r>
+              <a:rPr kumimoji="1" lang="ja-JP" altLang="en-US" dirty="0"/>
+              <a:t>の階層構造を見せる　●</a:t>
+            </a:r>
+            <a:endParaRPr kumimoji="1" lang="en-US" altLang="ja-JP" dirty="0"/>
+          </a:p>
+          <a:p>
+            <a:r>
+              <a:rPr kumimoji="1" lang="en-US" altLang="ja-JP" dirty="0"/>
+              <a:t>Git</a:t>
+            </a:r>
+            <a:r>
+              <a:rPr kumimoji="1" lang="ja-JP" altLang="en-US" dirty="0"/>
+              <a:t>の説明をする</a:t>
+            </a:r>
+            <a:endParaRPr kumimoji="1" lang="en-US" altLang="ja-JP" dirty="0"/>
+          </a:p>
+          <a:p>
+            <a:r>
+              <a:rPr kumimoji="1" lang="en-US" altLang="ja-JP" dirty="0"/>
+              <a:t>GitHub</a:t>
+            </a:r>
+            <a:r>
+              <a:rPr kumimoji="1" lang="ja-JP" altLang="en-US" dirty="0"/>
+              <a:t>の説明と利用方法を話す　●</a:t>
+            </a:r>
+            <a:endParaRPr kumimoji="1" lang="en-US" altLang="ja-JP" dirty="0"/>
+          </a:p>
+          <a:p>
+            <a:r>
+              <a:rPr kumimoji="1" lang="en-US" altLang="ja-JP" dirty="0" err="1"/>
+              <a:t>GitBash</a:t>
+            </a:r>
+            <a:r>
+              <a:rPr kumimoji="1" lang="ja-JP" altLang="en-US" dirty="0"/>
+              <a:t>の説明と見せる　●</a:t>
+            </a:r>
+            <a:endParaRPr kumimoji="1" lang="en-US" altLang="ja-JP" dirty="0"/>
+          </a:p>
+          <a:p>
+            <a:r>
+              <a:rPr kumimoji="1" lang="en-US" altLang="ja-JP" dirty="0" err="1"/>
+              <a:t>SourceTree</a:t>
+            </a:r>
+            <a:r>
+              <a:rPr kumimoji="1" lang="ja-JP" altLang="en-US" dirty="0"/>
+              <a:t>の説明と見せる　●</a:t>
+            </a:r>
+            <a:endParaRPr kumimoji="1" lang="en-US" altLang="ja-JP" dirty="0"/>
+          </a:p>
+          <a:p>
+            <a:r>
+              <a:rPr kumimoji="1" lang="en-US" altLang="ja-JP" dirty="0"/>
+              <a:t>Composer</a:t>
+            </a:r>
+            <a:r>
+              <a:rPr kumimoji="1" lang="ja-JP" altLang="en-US" dirty="0"/>
+              <a:t>の説明</a:t>
+            </a:r>
+            <a:endParaRPr kumimoji="1" lang="en-US" altLang="ja-JP" dirty="0"/>
+          </a:p>
+          <a:p>
+            <a:r>
+              <a:rPr kumimoji="1" lang="en-US" altLang="ja-JP" dirty="0" err="1"/>
+              <a:t>Brade</a:t>
+            </a:r>
+            <a:r>
+              <a:rPr kumimoji="1" lang="ja-JP" altLang="en-US" dirty="0"/>
+              <a:t>の説明</a:t>
+            </a:r>
+            <a:endParaRPr kumimoji="1" lang="en-US" altLang="ja-JP" dirty="0"/>
+          </a:p>
+          <a:p>
+            <a:r>
+              <a:rPr kumimoji="1" lang="en-US" altLang="ja-JP" dirty="0"/>
+              <a:t>Font Awesome</a:t>
+            </a:r>
+            <a:r>
+              <a:rPr kumimoji="1" lang="ja-JP" altLang="en-US" dirty="0"/>
+              <a:t>の説明と見せる　●</a:t>
+            </a:r>
+            <a:endParaRPr kumimoji="1" lang="en-US" altLang="ja-JP" dirty="0"/>
           </a:p>
         </p:txBody>
       </p:sp>
@@ -923,7 +1010,260 @@
           <a:p>
             <a:fld id="{9F8D4566-30B8-42F3-B1B7-E04735697F79}" type="slidenum">
               <a:rPr kumimoji="1" lang="ja-JP" altLang="en-US" smtClean="0"/>
-              <a:t>9</a:t>
+              <a:t>6</a:t>
+            </a:fld>
+            <a:endParaRPr kumimoji="1" lang="ja-JP" altLang="en-US"/>
+          </a:p>
+        </p:txBody>
+      </p:sp>
+    </p:spTree>
+    <p:extLst>
+      <p:ext uri="{BB962C8B-B14F-4D97-AF65-F5344CB8AC3E}">
+        <p14:creationId xmlns:p14="http://schemas.microsoft.com/office/powerpoint/2010/main" val="4181739588"/>
+      </p:ext>
+    </p:extLst>
+  </p:cSld>
+  <p:clrMapOvr>
+    <a:masterClrMapping/>
+  </p:clrMapOvr>
+</p:notes>
+</file>
+
+<file path=ppt/notesSlides/notesSlide5.xml><?xml version="1.0" encoding="utf-8"?>
+<p:notes xmlns:a="http://schemas.openxmlformats.org/drawingml/2006/main" xmlns:r="http://schemas.openxmlformats.org/officeDocument/2006/relationships" xmlns:p="http://schemas.openxmlformats.org/presentationml/2006/main">
+  <p:cSld>
+    <p:spTree>
+      <p:nvGrpSpPr>
+        <p:cNvPr id="1" name=""/>
+        <p:cNvGrpSpPr/>
+        <p:nvPr/>
+      </p:nvGrpSpPr>
+      <p:grpSpPr>
+        <a:xfrm>
+          <a:off x="0" y="0"/>
+          <a:ext cx="0" cy="0"/>
+          <a:chOff x="0" y="0"/>
+          <a:chExt cx="0" cy="0"/>
+        </a:xfrm>
+      </p:grpSpPr>
+      <p:sp>
+        <p:nvSpPr>
+          <p:cNvPr id="2" name="スライド イメージ プレースホルダー 1"/>
+          <p:cNvSpPr>
+            <a:spLocks noGrp="1" noRot="1" noChangeAspect="1"/>
+          </p:cNvSpPr>
+          <p:nvPr>
+            <p:ph type="sldImg"/>
+          </p:nvPr>
+        </p:nvSpPr>
+        <p:spPr/>
+      </p:sp>
+      <p:sp>
+        <p:nvSpPr>
+          <p:cNvPr id="3" name="ノート プレースホルダー 2"/>
+          <p:cNvSpPr>
+            <a:spLocks noGrp="1"/>
+          </p:cNvSpPr>
+          <p:nvPr>
+            <p:ph type="body" idx="1"/>
+          </p:nvPr>
+        </p:nvSpPr>
+        <p:spPr/>
+        <p:txBody>
+          <a:bodyPr/>
+          <a:lstStyle/>
+          <a:p>
+            <a:r>
+              <a:rPr kumimoji="1" lang="en-US" altLang="ja-JP" dirty="0"/>
+              <a:t>Laravel</a:t>
+            </a:r>
+            <a:r>
+              <a:rPr kumimoji="1" lang="ja-JP" altLang="en-US" dirty="0"/>
+              <a:t>の階層構造を見せる　●</a:t>
+            </a:r>
+            <a:endParaRPr kumimoji="1" lang="en-US" altLang="ja-JP" dirty="0"/>
+          </a:p>
+          <a:p>
+            <a:r>
+              <a:rPr kumimoji="1" lang="en-US" altLang="ja-JP" dirty="0"/>
+              <a:t>Git</a:t>
+            </a:r>
+            <a:r>
+              <a:rPr kumimoji="1" lang="ja-JP" altLang="en-US" dirty="0"/>
+              <a:t>の説明をする</a:t>
+            </a:r>
+            <a:endParaRPr kumimoji="1" lang="en-US" altLang="ja-JP" dirty="0"/>
+          </a:p>
+          <a:p>
+            <a:r>
+              <a:rPr kumimoji="1" lang="en-US" altLang="ja-JP" dirty="0"/>
+              <a:t>GitHub</a:t>
+            </a:r>
+            <a:r>
+              <a:rPr kumimoji="1" lang="ja-JP" altLang="en-US" dirty="0"/>
+              <a:t>の説明と利用方法を話す　●</a:t>
+            </a:r>
+            <a:endParaRPr kumimoji="1" lang="en-US" altLang="ja-JP" dirty="0"/>
+          </a:p>
+          <a:p>
+            <a:r>
+              <a:rPr kumimoji="1" lang="en-US" altLang="ja-JP" dirty="0" err="1"/>
+              <a:t>GitBash</a:t>
+            </a:r>
+            <a:r>
+              <a:rPr kumimoji="1" lang="ja-JP" altLang="en-US" dirty="0"/>
+              <a:t>の説明と見せる　●</a:t>
+            </a:r>
+            <a:endParaRPr kumimoji="1" lang="en-US" altLang="ja-JP" dirty="0"/>
+          </a:p>
+          <a:p>
+            <a:r>
+              <a:rPr kumimoji="1" lang="en-US" altLang="ja-JP" dirty="0" err="1"/>
+              <a:t>SourceTree</a:t>
+            </a:r>
+            <a:r>
+              <a:rPr kumimoji="1" lang="ja-JP" altLang="en-US" dirty="0"/>
+              <a:t>の説明と見せる　●</a:t>
+            </a:r>
+            <a:endParaRPr kumimoji="1" lang="en-US" altLang="ja-JP" dirty="0"/>
+          </a:p>
+          <a:p>
+            <a:r>
+              <a:rPr kumimoji="1" lang="en-US" altLang="ja-JP" dirty="0"/>
+              <a:t>Composer</a:t>
+            </a:r>
+            <a:r>
+              <a:rPr kumimoji="1" lang="ja-JP" altLang="en-US" dirty="0"/>
+              <a:t>の説明</a:t>
+            </a:r>
+            <a:endParaRPr kumimoji="1" lang="en-US" altLang="ja-JP" dirty="0"/>
+          </a:p>
+          <a:p>
+            <a:r>
+              <a:rPr kumimoji="1" lang="en-US" altLang="ja-JP" dirty="0" err="1"/>
+              <a:t>Brade</a:t>
+            </a:r>
+            <a:r>
+              <a:rPr kumimoji="1" lang="ja-JP" altLang="en-US" dirty="0"/>
+              <a:t>の説明</a:t>
+            </a:r>
+            <a:endParaRPr kumimoji="1" lang="en-US" altLang="ja-JP" dirty="0"/>
+          </a:p>
+          <a:p>
+            <a:r>
+              <a:rPr kumimoji="1" lang="en-US" altLang="ja-JP" dirty="0"/>
+              <a:t>Font Awesome</a:t>
+            </a:r>
+            <a:r>
+              <a:rPr kumimoji="1" lang="ja-JP" altLang="en-US" dirty="0"/>
+              <a:t>の説明と見せる　●</a:t>
+            </a:r>
+            <a:endParaRPr kumimoji="1" lang="en-US" altLang="ja-JP" dirty="0"/>
+          </a:p>
+        </p:txBody>
+      </p:sp>
+      <p:sp>
+        <p:nvSpPr>
+          <p:cNvPr id="4" name="スライド番号プレースホルダー 3"/>
+          <p:cNvSpPr>
+            <a:spLocks noGrp="1"/>
+          </p:cNvSpPr>
+          <p:nvPr>
+            <p:ph type="sldNum" sz="quarter" idx="10"/>
+          </p:nvPr>
+        </p:nvSpPr>
+        <p:spPr/>
+        <p:txBody>
+          <a:bodyPr/>
+          <a:lstStyle/>
+          <a:p>
+            <a:fld id="{9F8D4566-30B8-42F3-B1B7-E04735697F79}" type="slidenum">
+              <a:rPr kumimoji="1" lang="ja-JP" altLang="en-US" smtClean="0"/>
+              <a:t>7</a:t>
+            </a:fld>
+            <a:endParaRPr kumimoji="1" lang="ja-JP" altLang="en-US"/>
+          </a:p>
+        </p:txBody>
+      </p:sp>
+    </p:spTree>
+    <p:extLst>
+      <p:ext uri="{BB962C8B-B14F-4D97-AF65-F5344CB8AC3E}">
+        <p14:creationId xmlns:p14="http://schemas.microsoft.com/office/powerpoint/2010/main" val="2864278346"/>
+      </p:ext>
+    </p:extLst>
+  </p:cSld>
+  <p:clrMapOvr>
+    <a:masterClrMapping/>
+  </p:clrMapOvr>
+</p:notes>
+</file>
+
+<file path=ppt/notesSlides/notesSlide6.xml><?xml version="1.0" encoding="utf-8"?>
+<p:notes xmlns:a="http://schemas.openxmlformats.org/drawingml/2006/main" xmlns:r="http://schemas.openxmlformats.org/officeDocument/2006/relationships" xmlns:p="http://schemas.openxmlformats.org/presentationml/2006/main">
+  <p:cSld>
+    <p:spTree>
+      <p:nvGrpSpPr>
+        <p:cNvPr id="1" name=""/>
+        <p:cNvGrpSpPr/>
+        <p:nvPr/>
+      </p:nvGrpSpPr>
+      <p:grpSpPr>
+        <a:xfrm>
+          <a:off x="0" y="0"/>
+          <a:ext cx="0" cy="0"/>
+          <a:chOff x="0" y="0"/>
+          <a:chExt cx="0" cy="0"/>
+        </a:xfrm>
+      </p:grpSpPr>
+      <p:sp>
+        <p:nvSpPr>
+          <p:cNvPr id="2" name="スライド イメージ プレースホルダー 1"/>
+          <p:cNvSpPr>
+            <a:spLocks noGrp="1" noRot="1" noChangeAspect="1"/>
+          </p:cNvSpPr>
+          <p:nvPr>
+            <p:ph type="sldImg"/>
+          </p:nvPr>
+        </p:nvSpPr>
+        <p:spPr/>
+      </p:sp>
+      <p:sp>
+        <p:nvSpPr>
+          <p:cNvPr id="3" name="ノート プレースホルダー 2"/>
+          <p:cNvSpPr>
+            <a:spLocks noGrp="1"/>
+          </p:cNvSpPr>
+          <p:nvPr>
+            <p:ph type="body" idx="1"/>
+          </p:nvPr>
+        </p:nvSpPr>
+        <p:spPr/>
+        <p:txBody>
+          <a:bodyPr/>
+          <a:lstStyle/>
+          <a:p>
+            <a:endParaRPr kumimoji="1" lang="ja-JP" altLang="en-US"/>
+          </a:p>
+        </p:txBody>
+      </p:sp>
+      <p:sp>
+        <p:nvSpPr>
+          <p:cNvPr id="4" name="スライド番号プレースホルダー 3"/>
+          <p:cNvSpPr>
+            <a:spLocks noGrp="1"/>
+          </p:cNvSpPr>
+          <p:nvPr>
+            <p:ph type="sldNum" sz="quarter" idx="10"/>
+          </p:nvPr>
+        </p:nvSpPr>
+        <p:spPr/>
+        <p:txBody>
+          <a:bodyPr/>
+          <a:lstStyle/>
+          <a:p>
+            <a:fld id="{9F8D4566-30B8-42F3-B1B7-E04735697F79}" type="slidenum">
+              <a:rPr kumimoji="1" lang="ja-JP" altLang="en-US" smtClean="0"/>
+              <a:t>11</a:t>
             </a:fld>
             <a:endParaRPr kumimoji="1" lang="ja-JP" altLang="en-US"/>
           </a:p>
@@ -8901,6 +9241,663 @@
 </file>
 
 <file path=ppt/slides/slide10.xml><?xml version="1.0" encoding="utf-8"?>
+<p:sld xmlns:a="http://schemas.openxmlformats.org/drawingml/2006/main" xmlns:r="http://schemas.openxmlformats.org/officeDocument/2006/relationships" xmlns:p="http://schemas.openxmlformats.org/presentationml/2006/main">
+  <p:cSld>
+    <p:spTree>
+      <p:nvGrpSpPr>
+        <p:cNvPr id="1" name=""/>
+        <p:cNvGrpSpPr/>
+        <p:nvPr/>
+      </p:nvGrpSpPr>
+      <p:grpSpPr>
+        <a:xfrm>
+          <a:off x="0" y="0"/>
+          <a:ext cx="0" cy="0"/>
+          <a:chOff x="0" y="0"/>
+          <a:chExt cx="0" cy="0"/>
+        </a:xfrm>
+      </p:grpSpPr>
+      <p:sp>
+        <p:nvSpPr>
+          <p:cNvPr id="2" name="タイトル 1">
+            <a:extLst>
+              <a:ext uri="{FF2B5EF4-FFF2-40B4-BE49-F238E27FC236}">
+                <a16:creationId xmlns:a16="http://schemas.microsoft.com/office/drawing/2014/main" id="{4BE4735B-1C09-4AF8-8770-36CFAD91B23F}"/>
+              </a:ext>
+            </a:extLst>
+          </p:cNvPr>
+          <p:cNvSpPr>
+            <a:spLocks noGrp="1"/>
+          </p:cNvSpPr>
+          <p:nvPr>
+            <p:ph type="title"/>
+          </p:nvPr>
+        </p:nvSpPr>
+        <p:spPr>
+          <a:xfrm>
+            <a:off x="1784412" y="532660"/>
+            <a:ext cx="9720199" cy="745724"/>
+          </a:xfrm>
+        </p:spPr>
+        <p:txBody>
+          <a:bodyPr>
+            <a:normAutofit/>
+          </a:bodyPr>
+          <a:lstStyle/>
+          <a:p>
+            <a:r>
+              <a:rPr kumimoji="1" lang="ja-JP" altLang="en-US" sz="4000" dirty="0"/>
+              <a:t>高速案内の仕様</a:t>
+            </a:r>
+            <a:r>
+              <a:rPr kumimoji="1" lang="en-US" altLang="ja-JP" sz="4000" dirty="0"/>
+              <a:t>+</a:t>
+            </a:r>
+            <a:r>
+              <a:rPr kumimoji="1" lang="ja-JP" altLang="en-US" sz="4000" dirty="0"/>
+              <a:t>＠</a:t>
+            </a:r>
+          </a:p>
+        </p:txBody>
+      </p:sp>
+      <p:sp>
+        <p:nvSpPr>
+          <p:cNvPr id="3" name="テキスト ボックス 2">
+            <a:extLst>
+              <a:ext uri="{FF2B5EF4-FFF2-40B4-BE49-F238E27FC236}">
+                <a16:creationId xmlns:a16="http://schemas.microsoft.com/office/drawing/2014/main" id="{F78D868C-CEA0-4E1A-A5C2-E88C3804E4F7}"/>
+              </a:ext>
+            </a:extLst>
+          </p:cNvPr>
+          <p:cNvSpPr txBox="1"/>
+          <p:nvPr/>
+        </p:nvSpPr>
+        <p:spPr>
+          <a:xfrm>
+            <a:off x="578269" y="1595021"/>
+            <a:ext cx="11613732" cy="4832092"/>
+          </a:xfrm>
+          <a:prstGeom prst="rect">
+            <a:avLst/>
+          </a:prstGeom>
+          <a:noFill/>
+        </p:spPr>
+        <p:txBody>
+          <a:bodyPr wrap="square" rtlCol="0">
+            <a:spAutoFit/>
+          </a:bodyPr>
+          <a:lstStyle/>
+          <a:p>
+            <a:r>
+              <a:rPr kumimoji="1" lang="en-US" altLang="ja-JP" sz="2800" b="1" u="sng" dirty="0"/>
+              <a:t>Ex</a:t>
+            </a:r>
+            <a:r>
+              <a:rPr kumimoji="1" lang="ja-JP" altLang="en-US" sz="2800" b="1" u="sng" dirty="0"/>
+              <a:t>　時間があったら実装したかったもの</a:t>
+            </a:r>
+            <a:endParaRPr kumimoji="1" lang="en-US" altLang="ja-JP" sz="2800" b="1" u="sng" dirty="0"/>
+          </a:p>
+          <a:p>
+            <a:endParaRPr kumimoji="1" lang="en-US" altLang="ja-JP" sz="2800" b="1" u="sng" dirty="0"/>
+          </a:p>
+          <a:p>
+            <a:r>
+              <a:rPr kumimoji="1" lang="ja-JP" altLang="en-US" sz="2800" dirty="0"/>
+              <a:t>・高速道路だけではなく、新幹線や電車、高速バス等も調べられるよう</a:t>
+            </a:r>
+            <a:endParaRPr kumimoji="1" lang="en-US" altLang="ja-JP" sz="2800" dirty="0"/>
+          </a:p>
+          <a:p>
+            <a:r>
+              <a:rPr kumimoji="1" lang="ja-JP" altLang="en-US" sz="2800" dirty="0"/>
+              <a:t>　新規ページ増設</a:t>
+            </a:r>
+            <a:endParaRPr kumimoji="1" lang="en-US" altLang="ja-JP" sz="2800" dirty="0"/>
+          </a:p>
+          <a:p>
+            <a:endParaRPr kumimoji="1" lang="en-US" altLang="ja-JP" sz="2800" dirty="0"/>
+          </a:p>
+          <a:p>
+            <a:r>
+              <a:rPr kumimoji="1" lang="ja-JP" altLang="en-US" sz="2800" dirty="0"/>
+              <a:t>・天気表示フィールドに日付指定の追加</a:t>
+            </a:r>
+            <a:endParaRPr kumimoji="1" lang="en-US" altLang="ja-JP" sz="2800" dirty="0"/>
+          </a:p>
+          <a:p>
+            <a:endParaRPr kumimoji="1" lang="en-US" altLang="ja-JP" sz="2800" dirty="0"/>
+          </a:p>
+          <a:p>
+            <a:r>
+              <a:rPr kumimoji="1" lang="ja-JP" altLang="en-US" sz="2800" dirty="0"/>
+              <a:t>・目的地の</a:t>
+            </a:r>
+            <a:r>
+              <a:rPr kumimoji="1" lang="en-US" altLang="ja-JP" sz="2800" dirty="0"/>
+              <a:t>IC</a:t>
+            </a:r>
+            <a:r>
+              <a:rPr kumimoji="1" lang="ja-JP" altLang="en-US" sz="2800" dirty="0"/>
+              <a:t>周辺のグルメ情報や宿情報表示</a:t>
+            </a:r>
+            <a:endParaRPr kumimoji="1" lang="en-US" altLang="ja-JP" sz="2800" dirty="0"/>
+          </a:p>
+          <a:p>
+            <a:endParaRPr kumimoji="1" lang="en-US" altLang="ja-JP" sz="2800" dirty="0"/>
+          </a:p>
+          <a:p>
+            <a:r>
+              <a:rPr kumimoji="1" lang="ja-JP" altLang="en-US" sz="2800" dirty="0"/>
+              <a:t>・スマートフォンやパソコン等、どの媒体でも快適に閲覧できるよう、</a:t>
+            </a:r>
+            <a:endParaRPr kumimoji="1" lang="en-US" altLang="ja-JP" sz="2800" dirty="0"/>
+          </a:p>
+          <a:p>
+            <a:r>
+              <a:rPr kumimoji="1" lang="ja-JP" altLang="en-US" sz="2800" dirty="0"/>
+              <a:t>　通信時の画面サイズにより</a:t>
+            </a:r>
+            <a:r>
+              <a:rPr kumimoji="1" lang="en-US" altLang="ja-JP" sz="2800" dirty="0"/>
+              <a:t>CSS</a:t>
+            </a:r>
+            <a:r>
+              <a:rPr kumimoji="1" lang="ja-JP" altLang="en-US" sz="2800" dirty="0"/>
+              <a:t>を書き換えるプログラム</a:t>
+            </a:r>
+            <a:endParaRPr kumimoji="1" lang="en-US" altLang="ja-JP" sz="2800" dirty="0"/>
+          </a:p>
+        </p:txBody>
+      </p:sp>
+    </p:spTree>
+    <p:extLst>
+      <p:ext uri="{BB962C8B-B14F-4D97-AF65-F5344CB8AC3E}">
+        <p14:creationId xmlns:p14="http://schemas.microsoft.com/office/powerpoint/2010/main" val="1301447994"/>
+      </p:ext>
+    </p:extLst>
+  </p:cSld>
+  <p:clrMapOvr>
+    <a:masterClrMapping/>
+  </p:clrMapOvr>
+</p:sld>
+</file>
+
+<file path=ppt/slides/slide11.xml><?xml version="1.0" encoding="utf-8"?>
+<p:sld xmlns:a="http://schemas.openxmlformats.org/drawingml/2006/main" xmlns:r="http://schemas.openxmlformats.org/officeDocument/2006/relationships" xmlns:p="http://schemas.openxmlformats.org/presentationml/2006/main">
+  <p:cSld>
+    <p:spTree>
+      <p:nvGrpSpPr>
+        <p:cNvPr id="1" name=""/>
+        <p:cNvGrpSpPr/>
+        <p:nvPr/>
+      </p:nvGrpSpPr>
+      <p:grpSpPr>
+        <a:xfrm>
+          <a:off x="0" y="0"/>
+          <a:ext cx="0" cy="0"/>
+          <a:chOff x="0" y="0"/>
+          <a:chExt cx="0" cy="0"/>
+        </a:xfrm>
+      </p:grpSpPr>
+      <p:sp>
+        <p:nvSpPr>
+          <p:cNvPr id="2" name="タイトル 1">
+            <a:extLst>
+              <a:ext uri="{FF2B5EF4-FFF2-40B4-BE49-F238E27FC236}">
+                <a16:creationId xmlns:a16="http://schemas.microsoft.com/office/drawing/2014/main" id="{4BE4735B-1C09-4AF8-8770-36CFAD91B23F}"/>
+              </a:ext>
+            </a:extLst>
+          </p:cNvPr>
+          <p:cNvSpPr>
+            <a:spLocks noGrp="1"/>
+          </p:cNvSpPr>
+          <p:nvPr>
+            <p:ph type="title"/>
+          </p:nvPr>
+        </p:nvSpPr>
+        <p:spPr>
+          <a:xfrm>
+            <a:off x="1784412" y="532660"/>
+            <a:ext cx="9720199" cy="745724"/>
+          </a:xfrm>
+        </p:spPr>
+        <p:txBody>
+          <a:bodyPr>
+            <a:normAutofit/>
+          </a:bodyPr>
+          <a:lstStyle/>
+          <a:p>
+            <a:r>
+              <a:rPr kumimoji="1" lang="ja-JP" altLang="en-US" sz="4000" dirty="0"/>
+              <a:t>感想とまとめ</a:t>
+            </a:r>
+          </a:p>
+        </p:txBody>
+      </p:sp>
+      <p:grpSp>
+        <p:nvGrpSpPr>
+          <p:cNvPr id="6" name="グループ化 5">
+            <a:extLst>
+              <a:ext uri="{FF2B5EF4-FFF2-40B4-BE49-F238E27FC236}">
+                <a16:creationId xmlns:a16="http://schemas.microsoft.com/office/drawing/2014/main" id="{DC9E22C8-D185-4E81-9C5B-5793ECC7B3A9}"/>
+              </a:ext>
+            </a:extLst>
+          </p:cNvPr>
+          <p:cNvGrpSpPr/>
+          <p:nvPr/>
+        </p:nvGrpSpPr>
+        <p:grpSpPr>
+          <a:xfrm>
+            <a:off x="1229241" y="2841859"/>
+            <a:ext cx="1110342" cy="1653941"/>
+            <a:chOff x="1654629" y="1958055"/>
+            <a:chExt cx="1110342" cy="1656002"/>
+          </a:xfrm>
+          <a:solidFill>
+            <a:srgbClr val="FF9966"/>
+          </a:solidFill>
+          <a:effectLst>
+            <a:glow rad="139700">
+              <a:schemeClr val="accent1">
+                <a:satMod val="175000"/>
+                <a:alpha val="40000"/>
+              </a:schemeClr>
+            </a:glow>
+          </a:effectLst>
+        </p:grpSpPr>
+        <p:sp>
+          <p:nvSpPr>
+            <p:cNvPr id="7" name="二等辺三角形 6">
+              <a:extLst>
+                <a:ext uri="{FF2B5EF4-FFF2-40B4-BE49-F238E27FC236}">
+                  <a16:creationId xmlns:a16="http://schemas.microsoft.com/office/drawing/2014/main" id="{003B6351-D632-46D0-A1D0-220792DB5B78}"/>
+                </a:ext>
+              </a:extLst>
+            </p:cNvPr>
+            <p:cNvSpPr/>
+            <p:nvPr/>
+          </p:nvSpPr>
+          <p:spPr>
+            <a:xfrm>
+              <a:off x="1654629" y="2373086"/>
+              <a:ext cx="1110342" cy="1240971"/>
+            </a:xfrm>
+            <a:prstGeom prst="triangle">
+              <a:avLst/>
+            </a:prstGeom>
+            <a:grpFill/>
+            <a:ln>
+              <a:solidFill>
+                <a:srgbClr val="C00000"/>
+              </a:solidFill>
+            </a:ln>
+          </p:spPr>
+          <p:style>
+            <a:lnRef idx="2">
+              <a:schemeClr val="accent1">
+                <a:shade val="50000"/>
+              </a:schemeClr>
+            </a:lnRef>
+            <a:fillRef idx="1">
+              <a:schemeClr val="accent1"/>
+            </a:fillRef>
+            <a:effectRef idx="0">
+              <a:schemeClr val="accent1"/>
+            </a:effectRef>
+            <a:fontRef idx="minor">
+              <a:schemeClr val="lt1"/>
+            </a:fontRef>
+          </p:style>
+          <p:txBody>
+            <a:bodyPr rtlCol="0" anchor="ctr"/>
+            <a:lstStyle/>
+            <a:p>
+              <a:pPr algn="ctr"/>
+              <a:endParaRPr kumimoji="1" lang="ja-JP" altLang="en-US"/>
+            </a:p>
+          </p:txBody>
+        </p:sp>
+        <p:sp>
+          <p:nvSpPr>
+            <p:cNvPr id="8" name="フローチャート: 結合子 7">
+              <a:extLst>
+                <a:ext uri="{FF2B5EF4-FFF2-40B4-BE49-F238E27FC236}">
+                  <a16:creationId xmlns:a16="http://schemas.microsoft.com/office/drawing/2014/main" id="{47DD24AC-A4C7-46EE-B1EB-30DD0E814D19}"/>
+                </a:ext>
+              </a:extLst>
+            </p:cNvPr>
+            <p:cNvSpPr/>
+            <p:nvPr/>
+          </p:nvSpPr>
+          <p:spPr>
+            <a:xfrm>
+              <a:off x="1784412" y="1958055"/>
+              <a:ext cx="865837" cy="830062"/>
+            </a:xfrm>
+            <a:prstGeom prst="flowChartConnector">
+              <a:avLst/>
+            </a:prstGeom>
+            <a:grpFill/>
+            <a:ln>
+              <a:solidFill>
+                <a:srgbClr val="C00000"/>
+              </a:solidFill>
+            </a:ln>
+          </p:spPr>
+          <p:style>
+            <a:lnRef idx="2">
+              <a:schemeClr val="accent1">
+                <a:shade val="50000"/>
+              </a:schemeClr>
+            </a:lnRef>
+            <a:fillRef idx="1">
+              <a:schemeClr val="accent1"/>
+            </a:fillRef>
+            <a:effectRef idx="0">
+              <a:schemeClr val="accent1"/>
+            </a:effectRef>
+            <a:fontRef idx="minor">
+              <a:schemeClr val="lt1"/>
+            </a:fontRef>
+          </p:style>
+          <p:txBody>
+            <a:bodyPr rtlCol="0" anchor="ctr"/>
+            <a:lstStyle/>
+            <a:p>
+              <a:pPr algn="ctr"/>
+              <a:endParaRPr kumimoji="1" lang="ja-JP" altLang="en-US"/>
+            </a:p>
+          </p:txBody>
+        </p:sp>
+      </p:grpSp>
+      <p:sp>
+        <p:nvSpPr>
+          <p:cNvPr id="13" name="吹き出し: 角を丸めた四角形 12">
+            <a:extLst>
+              <a:ext uri="{FF2B5EF4-FFF2-40B4-BE49-F238E27FC236}">
+                <a16:creationId xmlns:a16="http://schemas.microsoft.com/office/drawing/2014/main" id="{DAA07BD7-1117-4076-86F1-A20CCE6780FD}"/>
+              </a:ext>
+            </a:extLst>
+          </p:cNvPr>
+          <p:cNvSpPr/>
+          <p:nvPr/>
+        </p:nvSpPr>
+        <p:spPr>
+          <a:xfrm>
+            <a:off x="2950029" y="1278384"/>
+            <a:ext cx="8904513" cy="5046957"/>
+          </a:xfrm>
+          <a:prstGeom prst="wedgeRoundRectCallout">
+            <a:avLst>
+              <a:gd name="adj1" fmla="val -55419"/>
+              <a:gd name="adj2" fmla="val -25799"/>
+              <a:gd name="adj3" fmla="val 16667"/>
+            </a:avLst>
+          </a:prstGeom>
+          <a:noFill/>
+          <a:ln w="9525" cap="flat" cmpd="sng" algn="ctr">
+            <a:solidFill>
+              <a:schemeClr val="accent1"/>
+            </a:solidFill>
+            <a:prstDash val="solid"/>
+            <a:round/>
+            <a:headEnd type="none" w="med" len="med"/>
+            <a:tailEnd type="none" w="med" len="med"/>
+          </a:ln>
+        </p:spPr>
+        <p:style>
+          <a:lnRef idx="0">
+            <a:scrgbClr r="0" g="0" b="0"/>
+          </a:lnRef>
+          <a:fillRef idx="0">
+            <a:scrgbClr r="0" g="0" b="0"/>
+          </a:fillRef>
+          <a:effectRef idx="0">
+            <a:scrgbClr r="0" g="0" b="0"/>
+          </a:effectRef>
+          <a:fontRef idx="minor">
+            <a:schemeClr val="accent1"/>
+          </a:fontRef>
+        </p:style>
+        <p:txBody>
+          <a:bodyPr rtlCol="0" anchor="ctr"/>
+          <a:lstStyle/>
+          <a:p>
+            <a:r>
+              <a:rPr kumimoji="1" lang="ja-JP" altLang="en-US" sz="2000" dirty="0">
+                <a:solidFill>
+                  <a:schemeClr val="tx1"/>
+                </a:solidFill>
+              </a:rPr>
+              <a:t>・学校の授業では「</a:t>
+            </a:r>
+            <a:r>
+              <a:rPr kumimoji="1" lang="ja-JP" altLang="en-US" sz="2000" dirty="0" err="1">
+                <a:solidFill>
+                  <a:schemeClr val="tx1"/>
+                </a:solidFill>
+              </a:rPr>
+              <a:t>ぺらっと</a:t>
+            </a:r>
+            <a:r>
+              <a:rPr kumimoji="1" lang="ja-JP" altLang="en-US" sz="2000" dirty="0">
+                <a:solidFill>
+                  <a:schemeClr val="tx1"/>
+                </a:solidFill>
+              </a:rPr>
+              <a:t>一枚作る」ようなプログラムが多い中、</a:t>
+            </a:r>
+            <a:endParaRPr kumimoji="1" lang="en-US" altLang="ja-JP" sz="2000" dirty="0">
+              <a:solidFill>
+                <a:schemeClr val="tx1"/>
+              </a:solidFill>
+            </a:endParaRPr>
+          </a:p>
+          <a:p>
+            <a:r>
+              <a:rPr kumimoji="1" lang="ja-JP" altLang="en-US" sz="2000" dirty="0">
+                <a:solidFill>
+                  <a:schemeClr val="tx1"/>
+                </a:solidFill>
+              </a:rPr>
+              <a:t>　きちんとしたフレームワークを導入したコアな開発ができて良かった。</a:t>
+            </a:r>
+            <a:endParaRPr kumimoji="1" lang="en-US" altLang="ja-JP" sz="2000" dirty="0">
+              <a:solidFill>
+                <a:schemeClr val="tx1"/>
+              </a:solidFill>
+            </a:endParaRPr>
+          </a:p>
+          <a:p>
+            <a:r>
+              <a:rPr kumimoji="1" lang="ja-JP" altLang="en-US" sz="2000" dirty="0">
+                <a:solidFill>
+                  <a:schemeClr val="tx1"/>
+                </a:solidFill>
+              </a:rPr>
+              <a:t>　その分ぶち当たる難題が多く、問題もたくさんあったが、</a:t>
+            </a:r>
+            <a:endParaRPr kumimoji="1" lang="en-US" altLang="ja-JP" sz="2000" dirty="0">
+              <a:solidFill>
+                <a:schemeClr val="tx1"/>
+              </a:solidFill>
+            </a:endParaRPr>
+          </a:p>
+          <a:p>
+            <a:r>
+              <a:rPr kumimoji="1" lang="ja-JP" altLang="en-US" sz="2000" dirty="0">
+                <a:solidFill>
+                  <a:schemeClr val="tx1"/>
+                </a:solidFill>
+              </a:rPr>
+              <a:t>　</a:t>
+            </a:r>
+            <a:r>
+              <a:rPr kumimoji="1" lang="en-US" altLang="ja-JP" sz="2000" dirty="0">
+                <a:solidFill>
+                  <a:schemeClr val="tx1"/>
+                </a:solidFill>
+              </a:rPr>
+              <a:t>” </a:t>
+            </a:r>
+            <a:r>
+              <a:rPr kumimoji="1" lang="ja-JP" altLang="en-US" sz="2000" dirty="0">
+                <a:solidFill>
+                  <a:schemeClr val="tx1"/>
+                </a:solidFill>
+              </a:rPr>
+              <a:t>授業</a:t>
+            </a:r>
+            <a:r>
+              <a:rPr kumimoji="1" lang="en-US" altLang="ja-JP" sz="2000" dirty="0">
+                <a:solidFill>
+                  <a:schemeClr val="tx1"/>
+                </a:solidFill>
+              </a:rPr>
+              <a:t>”</a:t>
+            </a:r>
+            <a:r>
+              <a:rPr kumimoji="1" lang="ja-JP" altLang="en-US" sz="2000" dirty="0">
+                <a:solidFill>
+                  <a:schemeClr val="tx1"/>
+                </a:solidFill>
+              </a:rPr>
+              <a:t>としては及第点だと思う。</a:t>
+            </a:r>
+            <a:endParaRPr kumimoji="1" lang="en-US" altLang="ja-JP" sz="2000" dirty="0">
+              <a:solidFill>
+                <a:schemeClr val="tx1"/>
+              </a:solidFill>
+            </a:endParaRPr>
+          </a:p>
+          <a:p>
+            <a:endParaRPr kumimoji="1" lang="en-US" altLang="ja-JP" sz="2000" dirty="0">
+              <a:solidFill>
+                <a:schemeClr val="tx1"/>
+              </a:solidFill>
+            </a:endParaRPr>
+          </a:p>
+          <a:p>
+            <a:r>
+              <a:rPr kumimoji="1" lang="ja-JP" altLang="en-US" sz="2000" dirty="0">
+                <a:solidFill>
+                  <a:schemeClr val="tx1"/>
+                </a:solidFill>
+              </a:rPr>
+              <a:t>・新しく触るものばかりで学習コストが高く、時間がカツカツで</a:t>
+            </a:r>
+            <a:endParaRPr kumimoji="1" lang="en-US" altLang="ja-JP" sz="2000" dirty="0">
+              <a:solidFill>
+                <a:schemeClr val="tx1"/>
+              </a:solidFill>
+            </a:endParaRPr>
+          </a:p>
+          <a:p>
+            <a:r>
+              <a:rPr kumimoji="1" lang="ja-JP" altLang="en-US" sz="2000" dirty="0">
+                <a:solidFill>
+                  <a:schemeClr val="tx1"/>
+                </a:solidFill>
+              </a:rPr>
+              <a:t>　しんどい部分も多かった。</a:t>
+            </a:r>
+            <a:endParaRPr kumimoji="1" lang="en-US" altLang="ja-JP" sz="2000" dirty="0">
+              <a:solidFill>
+                <a:schemeClr val="tx1"/>
+              </a:solidFill>
+            </a:endParaRPr>
+          </a:p>
+          <a:p>
+            <a:endParaRPr kumimoji="1" lang="en-US" altLang="ja-JP" sz="2000" dirty="0">
+              <a:solidFill>
+                <a:schemeClr val="tx1"/>
+              </a:solidFill>
+            </a:endParaRPr>
+          </a:p>
+          <a:p>
+            <a:r>
+              <a:rPr kumimoji="1" lang="ja-JP" altLang="en-US" sz="2000" dirty="0">
+                <a:solidFill>
+                  <a:schemeClr val="tx1"/>
+                </a:solidFill>
+              </a:rPr>
+              <a:t>・高速案内に取り掛かるまでに時間がかかったせいもあるが、</a:t>
+            </a:r>
+            <a:endParaRPr kumimoji="1" lang="en-US" altLang="ja-JP" sz="2000" dirty="0">
+              <a:solidFill>
+                <a:schemeClr val="tx1"/>
+              </a:solidFill>
+            </a:endParaRPr>
+          </a:p>
+          <a:p>
+            <a:r>
+              <a:rPr kumimoji="1" lang="ja-JP" altLang="en-US" sz="2000" dirty="0">
+                <a:solidFill>
+                  <a:schemeClr val="tx1"/>
+                </a:solidFill>
+              </a:rPr>
+              <a:t>　内部設計の人数が足りなかったように思う。</a:t>
+            </a:r>
+            <a:endParaRPr kumimoji="1" lang="en-US" altLang="ja-JP" sz="2000" dirty="0">
+              <a:solidFill>
+                <a:schemeClr val="tx1"/>
+              </a:solidFill>
+            </a:endParaRPr>
+          </a:p>
+          <a:p>
+            <a:endParaRPr kumimoji="1" lang="en-US" altLang="ja-JP" sz="2000" dirty="0">
+              <a:solidFill>
+                <a:schemeClr val="tx1"/>
+              </a:solidFill>
+            </a:endParaRPr>
+          </a:p>
+          <a:p>
+            <a:r>
+              <a:rPr kumimoji="1" lang="ja-JP" altLang="en-US" sz="2000" dirty="0">
+                <a:solidFill>
+                  <a:schemeClr val="tx1"/>
+                </a:solidFill>
+              </a:rPr>
+              <a:t>・環境導入をきちんとしたおかげで共有がしやすく、</a:t>
+            </a:r>
+            <a:endParaRPr kumimoji="1" lang="en-US" altLang="ja-JP" sz="2000" dirty="0">
+              <a:solidFill>
+                <a:schemeClr val="tx1"/>
+              </a:solidFill>
+            </a:endParaRPr>
+          </a:p>
+          <a:p>
+            <a:r>
+              <a:rPr kumimoji="1" lang="ja-JP" altLang="en-US" sz="2000" dirty="0">
+                <a:solidFill>
+                  <a:schemeClr val="tx1"/>
+                </a:solidFill>
+              </a:rPr>
+              <a:t>　タスク管理も容易だったのでその点は良かったと思う。</a:t>
+            </a:r>
+            <a:endParaRPr kumimoji="1" lang="en-US" altLang="ja-JP" sz="2400" dirty="0">
+              <a:solidFill>
+                <a:schemeClr val="tx1"/>
+              </a:solidFill>
+            </a:endParaRPr>
+          </a:p>
+        </p:txBody>
+      </p:sp>
+    </p:spTree>
+    <p:extLst>
+      <p:ext uri="{BB962C8B-B14F-4D97-AF65-F5344CB8AC3E}">
+        <p14:creationId xmlns:p14="http://schemas.microsoft.com/office/powerpoint/2010/main" val="260805554"/>
+      </p:ext>
+    </p:extLst>
+  </p:cSld>
+  <p:clrMapOvr>
+    <a:masterClrMapping/>
+  </p:clrMapOvr>
+</p:sld>
+</file>
+
+<file path=ppt/slides/slide12.xml><?xml version="1.0" encoding="utf-8"?>
 <p:sld xmlns:a="http://schemas.openxmlformats.org/drawingml/2006/main" xmlns:r="http://schemas.openxmlformats.org/officeDocument/2006/relationships" xmlns:p="http://schemas.openxmlformats.org/presentationml/2006/main">
   <p:cSld>
     <p:spTree>
@@ -11300,228 +12297,250 @@
           <a:p>
             <a:r>
               <a:rPr kumimoji="1" lang="ja-JP" altLang="en-US" sz="4000" dirty="0"/>
-              <a:t>役割分担</a:t>
+              <a:t>システム構成　補足</a:t>
             </a:r>
           </a:p>
         </p:txBody>
       </p:sp>
-      <p:sp>
-        <p:nvSpPr>
-          <p:cNvPr id="3" name="テキスト ボックス 2">
+      <p:grpSp>
+        <p:nvGrpSpPr>
+          <p:cNvPr id="4" name="グループ化 3">
             <a:extLst>
               <a:ext uri="{FF2B5EF4-FFF2-40B4-BE49-F238E27FC236}">
-                <a16:creationId xmlns:a16="http://schemas.microsoft.com/office/drawing/2014/main" id="{E5BBB874-F013-4E8F-B2CB-E9572BDD9EA4}"/>
+                <a16:creationId xmlns:a16="http://schemas.microsoft.com/office/drawing/2014/main" id="{1339DAEC-D13B-4B94-9B31-39CFE8DB1C7B}"/>
               </a:ext>
             </a:extLst>
           </p:cNvPr>
-          <p:cNvSpPr txBox="1"/>
+          <p:cNvGrpSpPr/>
           <p:nvPr/>
-        </p:nvSpPr>
-        <p:spPr>
+        </p:nvGrpSpPr>
+        <p:grpSpPr>
           <a:xfrm>
-            <a:off x="699910" y="1664304"/>
-            <a:ext cx="11492089" cy="3662541"/>
+            <a:off x="1237623" y="1659285"/>
+            <a:ext cx="10954377" cy="3539430"/>
+            <a:chOff x="1237623" y="1659285"/>
+            <a:chExt cx="10954377" cy="3539430"/>
           </a:xfrm>
-          <a:prstGeom prst="rect">
-            <a:avLst/>
-          </a:prstGeom>
-          <a:noFill/>
-        </p:spPr>
-        <p:txBody>
-          <a:bodyPr wrap="square" rtlCol="0">
-            <a:spAutoFit/>
-          </a:bodyPr>
-          <a:lstStyle/>
-          <a:p>
-            <a:r>
-              <a:rPr kumimoji="1" lang="ja-JP" altLang="en-US" sz="3200" dirty="0">
-                <a:latin typeface="+mn-ea"/>
-              </a:rPr>
-              <a:t>山本：</a:t>
-            </a:r>
-            <a:r>
-              <a:rPr kumimoji="1" lang="ja-JP" altLang="en-US" sz="2800" dirty="0">
-                <a:latin typeface="+mn-ea"/>
-              </a:rPr>
-              <a:t>全ての環境導入と、その環境の再配布，環境導入のお手伝い，</a:t>
-            </a:r>
-            <a:endParaRPr kumimoji="1" lang="en-US" altLang="ja-JP" sz="2800" dirty="0">
-              <a:latin typeface="+mn-ea"/>
-            </a:endParaRPr>
-          </a:p>
-          <a:p>
-            <a:r>
-              <a:rPr kumimoji="1" lang="ja-JP" altLang="en-US" sz="2800" dirty="0">
-                <a:latin typeface="+mn-ea"/>
-              </a:rPr>
-              <a:t>　　　今回初めて使う機能のリサーチと説明，画面設計，</a:t>
-            </a:r>
-            <a:endParaRPr kumimoji="1" lang="en-US" altLang="ja-JP" sz="2800" dirty="0">
-              <a:latin typeface="+mn-ea"/>
-            </a:endParaRPr>
-          </a:p>
-          <a:p>
-            <a:r>
-              <a:rPr kumimoji="1" lang="ja-JP" altLang="en-US" sz="2800" dirty="0">
-                <a:latin typeface="+mn-ea"/>
-              </a:rPr>
-              <a:t>　　　</a:t>
-            </a:r>
-            <a:r>
-              <a:rPr kumimoji="1" lang="en-US" altLang="ja-JP" sz="2800" dirty="0">
-                <a:latin typeface="+mn-ea"/>
-              </a:rPr>
-              <a:t>IC</a:t>
-            </a:r>
-            <a:r>
-              <a:rPr kumimoji="1" lang="ja-JP" altLang="en-US" sz="2800" dirty="0">
-                <a:latin typeface="+mn-ea"/>
-              </a:rPr>
-              <a:t>一覧や都道府県一覧等のフォームで使うデータの入力　</a:t>
-            </a:r>
-            <a:r>
-              <a:rPr kumimoji="1" lang="en-US" altLang="ja-JP" sz="2800" dirty="0" err="1">
-                <a:latin typeface="+mn-ea"/>
-              </a:rPr>
-              <a:t>etc</a:t>
-            </a:r>
-            <a:r>
-              <a:rPr kumimoji="1" lang="en-US" altLang="ja-JP" sz="2800" dirty="0">
-                <a:latin typeface="+mn-ea"/>
-              </a:rPr>
-              <a:t>…</a:t>
-            </a:r>
-          </a:p>
-          <a:p>
-            <a:r>
-              <a:rPr kumimoji="1" lang="ja-JP" altLang="en-US" sz="2800" dirty="0">
-                <a:latin typeface="+mn-ea"/>
-              </a:rPr>
-              <a:t>　　　</a:t>
-            </a:r>
-            <a:r>
-              <a:rPr kumimoji="1" lang="en-US" altLang="ja-JP" sz="2800" dirty="0">
-                <a:solidFill>
-                  <a:srgbClr val="C00000"/>
-                </a:solidFill>
-                <a:latin typeface="+mn-ea"/>
-              </a:rPr>
-              <a:t>HTML,CSS, Blade,</a:t>
-            </a:r>
-            <a:r>
-              <a:rPr kumimoji="1" lang="ja-JP" altLang="en-US" sz="2800" dirty="0">
-                <a:solidFill>
-                  <a:srgbClr val="C00000"/>
-                </a:solidFill>
-                <a:latin typeface="+mn-ea"/>
-              </a:rPr>
-              <a:t>少し</a:t>
-            </a:r>
-            <a:r>
-              <a:rPr kumimoji="1" lang="en-US" altLang="ja-JP" sz="2800" dirty="0" err="1">
-                <a:solidFill>
-                  <a:srgbClr val="C00000"/>
-                </a:solidFill>
-                <a:latin typeface="+mn-ea"/>
-              </a:rPr>
-              <a:t>JavaScript,jQuery</a:t>
-            </a:r>
-            <a:endParaRPr kumimoji="1" lang="en-US" altLang="ja-JP" sz="2800" dirty="0">
-              <a:solidFill>
-                <a:srgbClr val="C00000"/>
-              </a:solidFill>
-              <a:latin typeface="+mn-ea"/>
-            </a:endParaRPr>
-          </a:p>
-          <a:p>
-            <a:endParaRPr kumimoji="1" lang="en-US" altLang="ja-JP" sz="2800" dirty="0">
-              <a:latin typeface="+mn-ea"/>
-            </a:endParaRPr>
-          </a:p>
-          <a:p>
-            <a:r>
-              <a:rPr kumimoji="1" lang="ja-JP" altLang="en-US" sz="3200" dirty="0">
-                <a:latin typeface="+mn-ea"/>
-              </a:rPr>
-              <a:t>西田：</a:t>
-            </a:r>
-            <a:r>
-              <a:rPr kumimoji="1" lang="ja-JP" altLang="en-US" sz="2800" dirty="0">
-                <a:latin typeface="+mn-ea"/>
-              </a:rPr>
-              <a:t>環境導入，今回初めて使う機能の勉強，</a:t>
-            </a:r>
-            <a:endParaRPr kumimoji="1" lang="en-US" altLang="ja-JP" sz="2800" dirty="0">
-              <a:latin typeface="+mn-ea"/>
-            </a:endParaRPr>
-          </a:p>
-          <a:p>
-            <a:r>
-              <a:rPr kumimoji="1" lang="en-US" altLang="ja-JP" sz="2800" dirty="0">
-                <a:latin typeface="+mn-ea"/>
-              </a:rPr>
-              <a:t>		  </a:t>
-            </a:r>
-            <a:r>
-              <a:rPr kumimoji="1" lang="ja-JP" altLang="en-US" sz="2800" dirty="0">
-                <a:latin typeface="+mn-ea"/>
-              </a:rPr>
-              <a:t>アイコン画像製作，内部設計</a:t>
-            </a:r>
-            <a:endParaRPr kumimoji="1" lang="en-US" altLang="ja-JP" sz="2800" dirty="0">
-              <a:latin typeface="+mn-ea"/>
-            </a:endParaRPr>
-          </a:p>
-          <a:p>
-            <a:r>
-              <a:rPr kumimoji="1" lang="ja-JP" altLang="en-US" sz="2800" dirty="0">
-                <a:latin typeface="+mn-ea"/>
-              </a:rPr>
-              <a:t>　　　</a:t>
-            </a:r>
-            <a:r>
-              <a:rPr kumimoji="1" lang="en-US" altLang="ja-JP" sz="2800" dirty="0" err="1">
-                <a:solidFill>
-                  <a:srgbClr val="C00000"/>
-                </a:solidFill>
-                <a:latin typeface="+mn-ea"/>
-              </a:rPr>
-              <a:t>PHP,Blade,JavaScript,Json,XML</a:t>
-            </a:r>
-            <a:r>
-              <a:rPr kumimoji="1" lang="en-US" altLang="ja-JP" sz="2800" dirty="0">
-                <a:solidFill>
-                  <a:srgbClr val="C00000"/>
-                </a:solidFill>
-                <a:latin typeface="+mn-ea"/>
-              </a:rPr>
-              <a:t>,</a:t>
-            </a:r>
-            <a:r>
-              <a:rPr kumimoji="1" lang="ja-JP" altLang="en-US" sz="2800" dirty="0">
-                <a:solidFill>
-                  <a:srgbClr val="C00000"/>
-                </a:solidFill>
-                <a:latin typeface="+mn-ea"/>
-              </a:rPr>
-              <a:t>少し</a:t>
-            </a:r>
-            <a:r>
-              <a:rPr kumimoji="1" lang="en-US" altLang="ja-JP" sz="2800" dirty="0">
-                <a:solidFill>
-                  <a:srgbClr val="C00000"/>
-                </a:solidFill>
-                <a:latin typeface="+mn-ea"/>
-              </a:rPr>
-              <a:t>HTML</a:t>
-            </a:r>
-          </a:p>
-        </p:txBody>
-      </p:sp>
+        </p:grpSpPr>
+        <p:sp>
+          <p:nvSpPr>
+            <p:cNvPr id="3" name="テキスト ボックス 2">
+              <a:extLst>
+                <a:ext uri="{FF2B5EF4-FFF2-40B4-BE49-F238E27FC236}">
+                  <a16:creationId xmlns:a16="http://schemas.microsoft.com/office/drawing/2014/main" id="{05A2E6E4-203F-4C07-A5BA-7D6803AB54F7}"/>
+                </a:ext>
+              </a:extLst>
+            </p:cNvPr>
+            <p:cNvSpPr txBox="1"/>
+            <p:nvPr/>
+          </p:nvSpPr>
+          <p:spPr>
+            <a:xfrm>
+              <a:off x="1237623" y="1659285"/>
+              <a:ext cx="3236406" cy="3539430"/>
+            </a:xfrm>
+            <a:prstGeom prst="rect">
+              <a:avLst/>
+            </a:prstGeom>
+            <a:noFill/>
+          </p:spPr>
+          <p:txBody>
+            <a:bodyPr wrap="square" rtlCol="0">
+              <a:spAutoFit/>
+            </a:bodyPr>
+            <a:lstStyle/>
+            <a:p>
+              <a:pPr algn="r"/>
+              <a:r>
+                <a:rPr kumimoji="1" lang="en-US" altLang="ja-JP" sz="2800" dirty="0"/>
+                <a:t>Laravel</a:t>
+              </a:r>
+              <a:r>
+                <a:rPr kumimoji="1" lang="ja-JP" altLang="en-US" sz="2800" dirty="0"/>
+                <a:t>：</a:t>
+              </a:r>
+              <a:endParaRPr kumimoji="1" lang="en-US" altLang="ja-JP" sz="2800" dirty="0"/>
+            </a:p>
+            <a:p>
+              <a:pPr algn="r"/>
+              <a:r>
+                <a:rPr kumimoji="1" lang="en-US" altLang="ja-JP" sz="2800" dirty="0"/>
+                <a:t>Git</a:t>
+              </a:r>
+              <a:r>
+                <a:rPr kumimoji="1" lang="ja-JP" altLang="en-US" sz="2800" dirty="0"/>
+                <a:t>：</a:t>
+              </a:r>
+              <a:endParaRPr kumimoji="1" lang="en-US" altLang="ja-JP" sz="2800" dirty="0"/>
+            </a:p>
+            <a:p>
+              <a:pPr algn="r"/>
+              <a:r>
+                <a:rPr kumimoji="1" lang="en-US" altLang="ja-JP" sz="2800" dirty="0"/>
+                <a:t>Git Hub</a:t>
+              </a:r>
+              <a:r>
+                <a:rPr kumimoji="1" lang="ja-JP" altLang="en-US" sz="2800" dirty="0"/>
+                <a:t>：</a:t>
+              </a:r>
+              <a:endParaRPr kumimoji="1" lang="en-US" altLang="ja-JP" sz="2800" dirty="0"/>
+            </a:p>
+            <a:p>
+              <a:pPr algn="r"/>
+              <a:r>
+                <a:rPr kumimoji="1" lang="en-US" altLang="ja-JP" sz="2800" dirty="0"/>
+                <a:t>Git Bash</a:t>
+              </a:r>
+              <a:r>
+                <a:rPr kumimoji="1" lang="ja-JP" altLang="en-US" sz="2800" dirty="0"/>
+                <a:t>：</a:t>
+              </a:r>
+              <a:endParaRPr kumimoji="1" lang="en-US" altLang="ja-JP" sz="2800" dirty="0"/>
+            </a:p>
+            <a:p>
+              <a:pPr algn="r"/>
+              <a:r>
+                <a:rPr kumimoji="1" lang="en-US" altLang="ja-JP" sz="2800" dirty="0"/>
+                <a:t>Source Tree</a:t>
+              </a:r>
+              <a:r>
+                <a:rPr kumimoji="1" lang="ja-JP" altLang="en-US" sz="2800" dirty="0"/>
+                <a:t>：</a:t>
+              </a:r>
+              <a:endParaRPr kumimoji="1" lang="en-US" altLang="ja-JP" sz="2800" dirty="0"/>
+            </a:p>
+            <a:p>
+              <a:pPr algn="r"/>
+              <a:r>
+                <a:rPr kumimoji="1" lang="en-US" altLang="ja-JP" sz="2800" dirty="0"/>
+                <a:t>Composer</a:t>
+              </a:r>
+              <a:r>
+                <a:rPr kumimoji="1" lang="ja-JP" altLang="en-US" sz="2800" dirty="0"/>
+                <a:t>：</a:t>
+              </a:r>
+              <a:endParaRPr kumimoji="1" lang="en-US" altLang="ja-JP" sz="2800" dirty="0"/>
+            </a:p>
+            <a:p>
+              <a:pPr algn="r"/>
+              <a:r>
+                <a:rPr kumimoji="1" lang="en-US" altLang="ja-JP" sz="2800" dirty="0"/>
+                <a:t>Blade</a:t>
+              </a:r>
+              <a:r>
+                <a:rPr kumimoji="1" lang="ja-JP" altLang="en-US" sz="2800" dirty="0"/>
+                <a:t>：</a:t>
+              </a:r>
+              <a:endParaRPr kumimoji="1" lang="en-US" altLang="ja-JP" sz="2800" dirty="0"/>
+            </a:p>
+            <a:p>
+              <a:pPr algn="r"/>
+              <a:r>
+                <a:rPr kumimoji="1" lang="en-US" altLang="ja-JP" sz="2800" dirty="0"/>
+                <a:t>Font Awesome </a:t>
+              </a:r>
+              <a:r>
+                <a:rPr kumimoji="1" lang="ja-JP" altLang="en-US" sz="2800" dirty="0"/>
+                <a:t>：</a:t>
+              </a:r>
+              <a:endParaRPr kumimoji="1" lang="en-US" altLang="ja-JP" sz="2800" dirty="0"/>
+            </a:p>
+          </p:txBody>
+        </p:sp>
+        <p:sp>
+          <p:nvSpPr>
+            <p:cNvPr id="8" name="テキスト ボックス 7">
+              <a:extLst>
+                <a:ext uri="{FF2B5EF4-FFF2-40B4-BE49-F238E27FC236}">
+                  <a16:creationId xmlns:a16="http://schemas.microsoft.com/office/drawing/2014/main" id="{F4F61DAF-F56F-4175-8C7A-D80A0C7515B2}"/>
+                </a:ext>
+              </a:extLst>
+            </p:cNvPr>
+            <p:cNvSpPr txBox="1"/>
+            <p:nvPr/>
+          </p:nvSpPr>
+          <p:spPr>
+            <a:xfrm>
+              <a:off x="4474029" y="1659285"/>
+              <a:ext cx="7717971" cy="3539430"/>
+            </a:xfrm>
+            <a:prstGeom prst="rect">
+              <a:avLst/>
+            </a:prstGeom>
+            <a:noFill/>
+          </p:spPr>
+          <p:txBody>
+            <a:bodyPr wrap="square" rtlCol="0">
+              <a:spAutoFit/>
+            </a:bodyPr>
+            <a:lstStyle/>
+            <a:p>
+              <a:r>
+                <a:rPr kumimoji="1" lang="ja-JP" altLang="en-US" sz="2800" dirty="0"/>
+                <a:t>フレームワーク</a:t>
+              </a:r>
+              <a:endParaRPr kumimoji="1" lang="en-US" altLang="ja-JP" sz="2800" dirty="0"/>
+            </a:p>
+            <a:p>
+              <a:r>
+                <a:rPr kumimoji="1" lang="ja-JP" altLang="en-US" sz="2800" dirty="0"/>
+                <a:t>バージョン管理</a:t>
+              </a:r>
+              <a:endParaRPr kumimoji="1" lang="en-US" altLang="ja-JP" sz="2800" dirty="0"/>
+            </a:p>
+            <a:p>
+              <a:r>
+                <a:rPr kumimoji="1" lang="ja-JP" altLang="en-US" sz="2800" dirty="0"/>
+                <a:t>プロジェクトデータを保管する場所として</a:t>
+              </a:r>
+              <a:endParaRPr kumimoji="1" lang="en-US" altLang="ja-JP" sz="2800" dirty="0"/>
+            </a:p>
+            <a:p>
+              <a:r>
+                <a:rPr kumimoji="1" lang="ja-JP" altLang="en-US" sz="2800" dirty="0"/>
+                <a:t>コンソール</a:t>
+              </a:r>
+              <a:endParaRPr kumimoji="1" lang="en-US" altLang="ja-JP" sz="2800" dirty="0"/>
+            </a:p>
+            <a:p>
+              <a:r>
+                <a:rPr kumimoji="1" lang="ja-JP" altLang="en-US" sz="2800" dirty="0"/>
+                <a:t>バージョン管理の可視化と作業効率向上</a:t>
+              </a:r>
+              <a:endParaRPr kumimoji="1" lang="en-US" altLang="ja-JP" sz="2800" dirty="0"/>
+            </a:p>
+            <a:p>
+              <a:r>
+                <a:rPr kumimoji="1" lang="ja-JP" altLang="en-US" sz="2800" dirty="0"/>
+                <a:t>環境の構成と環境導入用</a:t>
+              </a:r>
+              <a:endParaRPr kumimoji="1" lang="en-US" altLang="ja-JP" sz="2800" dirty="0"/>
+            </a:p>
+            <a:p>
+              <a:r>
+                <a:rPr kumimoji="1" lang="en-US" altLang="ja-JP" sz="2800" dirty="0"/>
+                <a:t>Laravel</a:t>
+              </a:r>
+              <a:r>
+                <a:rPr kumimoji="1" lang="ja-JP" altLang="en-US" sz="2800" dirty="0"/>
+                <a:t>の拡張機能</a:t>
+              </a:r>
+              <a:endParaRPr kumimoji="1" lang="en-US" altLang="ja-JP" sz="2800" dirty="0"/>
+            </a:p>
+            <a:p>
+              <a:r>
+                <a:rPr kumimoji="1" lang="ja-JP" altLang="en-US" sz="2800" dirty="0"/>
+                <a:t>テキスト型のアイコン　見やすさの追求</a:t>
+              </a:r>
+              <a:endParaRPr kumimoji="1" lang="en-US" altLang="ja-JP" sz="2800" dirty="0"/>
+            </a:p>
+          </p:txBody>
+        </p:sp>
+      </p:grpSp>
     </p:spTree>
     <p:extLst>
       <p:ext uri="{BB962C8B-B14F-4D97-AF65-F5344CB8AC3E}">
-        <p14:creationId xmlns:p14="http://schemas.microsoft.com/office/powerpoint/2010/main" val="1200733704"/>
+        <p14:creationId xmlns:p14="http://schemas.microsoft.com/office/powerpoint/2010/main" val="3563178390"/>
       </p:ext>
     </p:extLst>
   </p:cSld>
@@ -11578,6 +12597,1249 @@
           <a:p>
             <a:r>
               <a:rPr kumimoji="1" lang="ja-JP" altLang="en-US" sz="4000" dirty="0"/>
+              <a:t>システム説明</a:t>
+            </a:r>
+          </a:p>
+        </p:txBody>
+      </p:sp>
+      <p:grpSp>
+        <p:nvGrpSpPr>
+          <p:cNvPr id="9" name="グループ化 8">
+            <a:extLst>
+              <a:ext uri="{FF2B5EF4-FFF2-40B4-BE49-F238E27FC236}">
+                <a16:creationId xmlns:a16="http://schemas.microsoft.com/office/drawing/2014/main" id="{00068724-ECBB-498B-A91F-E0801E0658E8}"/>
+              </a:ext>
+            </a:extLst>
+          </p:cNvPr>
+          <p:cNvGrpSpPr/>
+          <p:nvPr/>
+        </p:nvGrpSpPr>
+        <p:grpSpPr>
+          <a:xfrm>
+            <a:off x="918857" y="2754836"/>
+            <a:ext cx="1180473" cy="1917414"/>
+            <a:chOff x="1001485" y="2775858"/>
+            <a:chExt cx="880053" cy="1448959"/>
+          </a:xfrm>
+        </p:grpSpPr>
+        <p:grpSp>
+          <p:nvGrpSpPr>
+            <p:cNvPr id="5" name="グループ化 4">
+              <a:extLst>
+                <a:ext uri="{FF2B5EF4-FFF2-40B4-BE49-F238E27FC236}">
+                  <a16:creationId xmlns:a16="http://schemas.microsoft.com/office/drawing/2014/main" id="{DABB8FFC-35D0-4DE5-8569-95C8BE028572}"/>
+                </a:ext>
+              </a:extLst>
+            </p:cNvPr>
+            <p:cNvGrpSpPr/>
+            <p:nvPr/>
+          </p:nvGrpSpPr>
+          <p:grpSpPr>
+            <a:xfrm>
+              <a:off x="1001485" y="2775858"/>
+              <a:ext cx="880053" cy="1121228"/>
+              <a:chOff x="1654629" y="1958055"/>
+              <a:chExt cx="1110342" cy="1656002"/>
+            </a:xfrm>
+            <a:solidFill>
+              <a:schemeClr val="accent2">
+                <a:lumMod val="40000"/>
+                <a:lumOff val="60000"/>
+              </a:schemeClr>
+            </a:solidFill>
+            <a:effectLst>
+              <a:glow rad="101600">
+                <a:schemeClr val="accent5">
+                  <a:satMod val="175000"/>
+                  <a:alpha val="40000"/>
+                </a:schemeClr>
+              </a:glow>
+            </a:effectLst>
+          </p:grpSpPr>
+          <p:sp>
+            <p:nvSpPr>
+              <p:cNvPr id="6" name="二等辺三角形 5">
+                <a:extLst>
+                  <a:ext uri="{FF2B5EF4-FFF2-40B4-BE49-F238E27FC236}">
+                    <a16:creationId xmlns:a16="http://schemas.microsoft.com/office/drawing/2014/main" id="{C6F8CC1A-E8BE-48E8-8FBC-4717A6BE12AD}"/>
+                  </a:ext>
+                </a:extLst>
+              </p:cNvPr>
+              <p:cNvSpPr/>
+              <p:nvPr/>
+            </p:nvSpPr>
+            <p:spPr>
+              <a:xfrm>
+                <a:off x="1654629" y="2373086"/>
+                <a:ext cx="1110342" cy="1240971"/>
+              </a:xfrm>
+              <a:prstGeom prst="triangle">
+                <a:avLst/>
+              </a:prstGeom>
+              <a:grpFill/>
+              <a:ln>
+                <a:solidFill>
+                  <a:schemeClr val="accent1"/>
+                </a:solidFill>
+              </a:ln>
+            </p:spPr>
+            <p:style>
+              <a:lnRef idx="2">
+                <a:schemeClr val="accent1">
+                  <a:shade val="50000"/>
+                </a:schemeClr>
+              </a:lnRef>
+              <a:fillRef idx="1">
+                <a:schemeClr val="accent1"/>
+              </a:fillRef>
+              <a:effectRef idx="0">
+                <a:schemeClr val="accent1"/>
+              </a:effectRef>
+              <a:fontRef idx="minor">
+                <a:schemeClr val="lt1"/>
+              </a:fontRef>
+            </p:style>
+            <p:txBody>
+              <a:bodyPr rtlCol="0" anchor="ctr"/>
+              <a:lstStyle/>
+              <a:p>
+                <a:pPr algn="ctr"/>
+                <a:endParaRPr kumimoji="1" lang="ja-JP" altLang="en-US"/>
+              </a:p>
+            </p:txBody>
+          </p:sp>
+          <p:sp>
+            <p:nvSpPr>
+              <p:cNvPr id="7" name="フローチャート: 結合子 6">
+                <a:extLst>
+                  <a:ext uri="{FF2B5EF4-FFF2-40B4-BE49-F238E27FC236}">
+                    <a16:creationId xmlns:a16="http://schemas.microsoft.com/office/drawing/2014/main" id="{0CF0EE8D-8DCF-4632-A7CD-23E3FEDC7537}"/>
+                  </a:ext>
+                </a:extLst>
+              </p:cNvPr>
+              <p:cNvSpPr/>
+              <p:nvPr/>
+            </p:nvSpPr>
+            <p:spPr>
+              <a:xfrm>
+                <a:off x="1784412" y="1958055"/>
+                <a:ext cx="865837" cy="830062"/>
+              </a:xfrm>
+              <a:prstGeom prst="flowChartConnector">
+                <a:avLst/>
+              </a:prstGeom>
+              <a:grpFill/>
+              <a:ln>
+                <a:solidFill>
+                  <a:schemeClr val="accent1"/>
+                </a:solidFill>
+              </a:ln>
+            </p:spPr>
+            <p:style>
+              <a:lnRef idx="2">
+                <a:schemeClr val="accent1">
+                  <a:shade val="50000"/>
+                </a:schemeClr>
+              </a:lnRef>
+              <a:fillRef idx="1">
+                <a:schemeClr val="accent1"/>
+              </a:fillRef>
+              <a:effectRef idx="0">
+                <a:schemeClr val="accent1"/>
+              </a:effectRef>
+              <a:fontRef idx="minor">
+                <a:schemeClr val="lt1"/>
+              </a:fontRef>
+            </p:style>
+            <p:txBody>
+              <a:bodyPr rtlCol="0" anchor="ctr"/>
+              <a:lstStyle/>
+              <a:p>
+                <a:pPr algn="ctr"/>
+                <a:endParaRPr kumimoji="1" lang="ja-JP" altLang="en-US"/>
+              </a:p>
+            </p:txBody>
+          </p:sp>
+        </p:grpSp>
+        <p:sp>
+          <p:nvSpPr>
+            <p:cNvPr id="4" name="テキスト ボックス 3">
+              <a:extLst>
+                <a:ext uri="{FF2B5EF4-FFF2-40B4-BE49-F238E27FC236}">
+                  <a16:creationId xmlns:a16="http://schemas.microsoft.com/office/drawing/2014/main" id="{32A56B49-BCB1-4122-BD0F-EE42FAF79DDB}"/>
+                </a:ext>
+              </a:extLst>
+            </p:cNvPr>
+            <p:cNvSpPr txBox="1"/>
+            <p:nvPr/>
+          </p:nvSpPr>
+          <p:spPr>
+            <a:xfrm>
+              <a:off x="1048020" y="3922460"/>
+              <a:ext cx="782536" cy="302357"/>
+            </a:xfrm>
+            <a:prstGeom prst="rect">
+              <a:avLst/>
+            </a:prstGeom>
+            <a:noFill/>
+          </p:spPr>
+          <p:txBody>
+            <a:bodyPr wrap="square" rtlCol="0">
+              <a:spAutoFit/>
+            </a:bodyPr>
+            <a:lstStyle/>
+            <a:p>
+              <a:r>
+                <a:rPr kumimoji="1" lang="ja-JP" altLang="en-US" sz="2000" dirty="0"/>
+                <a:t>ユーザ</a:t>
+              </a:r>
+            </a:p>
+          </p:txBody>
+        </p:sp>
+      </p:grpSp>
+      <p:cxnSp>
+        <p:nvCxnSpPr>
+          <p:cNvPr id="11" name="直線矢印コネクタ 10">
+            <a:extLst>
+              <a:ext uri="{FF2B5EF4-FFF2-40B4-BE49-F238E27FC236}">
+                <a16:creationId xmlns:a16="http://schemas.microsoft.com/office/drawing/2014/main" id="{93CB7533-167C-4E3E-9F11-FAB8DA8AD35A}"/>
+              </a:ext>
+            </a:extLst>
+          </p:cNvPr>
+          <p:cNvCxnSpPr>
+            <a:cxnSpLocks/>
+          </p:cNvCxnSpPr>
+          <p:nvPr/>
+        </p:nvCxnSpPr>
+        <p:spPr>
+          <a:xfrm>
+            <a:off x="2615446" y="3187335"/>
+            <a:ext cx="991445" cy="0"/>
+          </a:xfrm>
+          <a:prstGeom prst="straightConnector1">
+            <a:avLst/>
+          </a:prstGeom>
+          <a:ln w="57150" cap="flat" cmpd="sng" algn="ctr">
+            <a:solidFill>
+              <a:schemeClr val="tx1">
+                <a:lumMod val="65000"/>
+                <a:lumOff val="35000"/>
+              </a:schemeClr>
+            </a:solidFill>
+            <a:prstDash val="solid"/>
+            <a:round/>
+            <a:headEnd type="none" w="med" len="med"/>
+            <a:tailEnd type="arrow" w="med" len="med"/>
+          </a:ln>
+        </p:spPr>
+        <p:style>
+          <a:lnRef idx="0">
+            <a:scrgbClr r="0" g="0" b="0"/>
+          </a:lnRef>
+          <a:fillRef idx="0">
+            <a:scrgbClr r="0" g="0" b="0"/>
+          </a:fillRef>
+          <a:effectRef idx="0">
+            <a:scrgbClr r="0" g="0" b="0"/>
+          </a:effectRef>
+          <a:fontRef idx="minor">
+            <a:schemeClr val="tx1"/>
+          </a:fontRef>
+        </p:style>
+      </p:cxnSp>
+      <p:grpSp>
+        <p:nvGrpSpPr>
+          <p:cNvPr id="14" name="グループ化 13">
+            <a:extLst>
+              <a:ext uri="{FF2B5EF4-FFF2-40B4-BE49-F238E27FC236}">
+                <a16:creationId xmlns:a16="http://schemas.microsoft.com/office/drawing/2014/main" id="{CC6A2100-D56D-4B49-8435-43C8947E8261}"/>
+              </a:ext>
+            </a:extLst>
+          </p:cNvPr>
+          <p:cNvGrpSpPr/>
+          <p:nvPr/>
+        </p:nvGrpSpPr>
+        <p:grpSpPr>
+          <a:xfrm>
+            <a:off x="4128723" y="2710918"/>
+            <a:ext cx="1839815" cy="1961332"/>
+            <a:chOff x="3298371" y="2449285"/>
+            <a:chExt cx="1371600" cy="1482147"/>
+          </a:xfrm>
+        </p:grpSpPr>
+        <p:sp>
+          <p:nvSpPr>
+            <p:cNvPr id="12" name="正方形/長方形 11">
+              <a:extLst>
+                <a:ext uri="{FF2B5EF4-FFF2-40B4-BE49-F238E27FC236}">
+                  <a16:creationId xmlns:a16="http://schemas.microsoft.com/office/drawing/2014/main" id="{766F8A76-F132-44DF-872C-26EF80841381}"/>
+                </a:ext>
+              </a:extLst>
+            </p:cNvPr>
+            <p:cNvSpPr/>
+            <p:nvPr/>
+          </p:nvSpPr>
+          <p:spPr>
+            <a:xfrm>
+              <a:off x="3298371" y="2449285"/>
+              <a:ext cx="1371600" cy="1059421"/>
+            </a:xfrm>
+            <a:prstGeom prst="rect">
+              <a:avLst/>
+            </a:prstGeom>
+            <a:ln>
+              <a:headEnd type="none" w="med" len="med"/>
+              <a:tailEnd type="none" w="med" len="med"/>
+            </a:ln>
+          </p:spPr>
+          <p:style>
+            <a:lnRef idx="1">
+              <a:schemeClr val="accent1"/>
+            </a:lnRef>
+            <a:fillRef idx="2">
+              <a:schemeClr val="accent1"/>
+            </a:fillRef>
+            <a:effectRef idx="1">
+              <a:schemeClr val="accent1"/>
+            </a:effectRef>
+            <a:fontRef idx="minor">
+              <a:schemeClr val="dk1"/>
+            </a:fontRef>
+          </p:style>
+          <p:txBody>
+            <a:bodyPr rtlCol="0" anchor="ctr"/>
+            <a:lstStyle/>
+            <a:p>
+              <a:pPr algn="ctr"/>
+              <a:r>
+                <a:rPr kumimoji="1" lang="ja-JP" altLang="en-US" sz="2000" dirty="0"/>
+                <a:t>高速案内</a:t>
+              </a:r>
+            </a:p>
+          </p:txBody>
+        </p:sp>
+        <p:sp>
+          <p:nvSpPr>
+            <p:cNvPr id="13" name="テキスト ボックス 12">
+              <a:extLst>
+                <a:ext uri="{FF2B5EF4-FFF2-40B4-BE49-F238E27FC236}">
+                  <a16:creationId xmlns:a16="http://schemas.microsoft.com/office/drawing/2014/main" id="{E1503094-87D5-49A6-BE6D-045C76D6BC0C}"/>
+                </a:ext>
+              </a:extLst>
+            </p:cNvPr>
+            <p:cNvSpPr txBox="1"/>
+            <p:nvPr/>
+          </p:nvSpPr>
+          <p:spPr>
+            <a:xfrm>
+              <a:off x="3378516" y="3629075"/>
+              <a:ext cx="1179630" cy="302357"/>
+            </a:xfrm>
+            <a:prstGeom prst="rect">
+              <a:avLst/>
+            </a:prstGeom>
+            <a:noFill/>
+          </p:spPr>
+          <p:txBody>
+            <a:bodyPr wrap="square" rtlCol="0">
+              <a:spAutoFit/>
+            </a:bodyPr>
+            <a:lstStyle/>
+            <a:p>
+              <a:r>
+                <a:rPr kumimoji="1" lang="en-US" altLang="ja-JP" sz="2000" dirty="0"/>
+                <a:t>Web</a:t>
+              </a:r>
+              <a:r>
+                <a:rPr kumimoji="1" lang="ja-JP" altLang="en-US" sz="2000" dirty="0"/>
+                <a:t>ページ</a:t>
+              </a:r>
+            </a:p>
+          </p:txBody>
+        </p:sp>
+      </p:grpSp>
+      <p:cxnSp>
+        <p:nvCxnSpPr>
+          <p:cNvPr id="18" name="直線矢印コネクタ 17">
+            <a:extLst>
+              <a:ext uri="{FF2B5EF4-FFF2-40B4-BE49-F238E27FC236}">
+                <a16:creationId xmlns:a16="http://schemas.microsoft.com/office/drawing/2014/main" id="{D2DBA473-3362-4D1A-972C-B47A781E9AA2}"/>
+              </a:ext>
+            </a:extLst>
+          </p:cNvPr>
+          <p:cNvCxnSpPr>
+            <a:cxnSpLocks/>
+          </p:cNvCxnSpPr>
+          <p:nvPr/>
+        </p:nvCxnSpPr>
+        <p:spPr>
+          <a:xfrm rot="10800000">
+            <a:off x="2593673" y="3607447"/>
+            <a:ext cx="991445" cy="0"/>
+          </a:xfrm>
+          <a:prstGeom prst="straightConnector1">
+            <a:avLst/>
+          </a:prstGeom>
+          <a:ln w="57150" cap="flat" cmpd="sng" algn="ctr">
+            <a:solidFill>
+              <a:schemeClr val="tx1">
+                <a:lumMod val="65000"/>
+                <a:lumOff val="35000"/>
+              </a:schemeClr>
+            </a:solidFill>
+            <a:prstDash val="solid"/>
+            <a:round/>
+            <a:headEnd type="none" w="med" len="med"/>
+            <a:tailEnd type="arrow" w="med" len="med"/>
+          </a:ln>
+        </p:spPr>
+        <p:style>
+          <a:lnRef idx="0">
+            <a:scrgbClr r="0" g="0" b="0"/>
+          </a:lnRef>
+          <a:fillRef idx="0">
+            <a:scrgbClr r="0" g="0" b="0"/>
+          </a:fillRef>
+          <a:effectRef idx="0">
+            <a:scrgbClr r="0" g="0" b="0"/>
+          </a:effectRef>
+          <a:fontRef idx="minor">
+            <a:schemeClr val="tx1"/>
+          </a:fontRef>
+        </p:style>
+      </p:cxnSp>
+      <p:cxnSp>
+        <p:nvCxnSpPr>
+          <p:cNvPr id="19" name="直線矢印コネクタ 18">
+            <a:extLst>
+              <a:ext uri="{FF2B5EF4-FFF2-40B4-BE49-F238E27FC236}">
+                <a16:creationId xmlns:a16="http://schemas.microsoft.com/office/drawing/2014/main" id="{568CDE8B-1C25-4E58-A8AB-912C259599C9}"/>
+              </a:ext>
+            </a:extLst>
+          </p:cNvPr>
+          <p:cNvCxnSpPr>
+            <a:cxnSpLocks/>
+          </p:cNvCxnSpPr>
+          <p:nvPr/>
+        </p:nvCxnSpPr>
+        <p:spPr>
+          <a:xfrm>
+            <a:off x="6644511" y="3126691"/>
+            <a:ext cx="2695432" cy="0"/>
+          </a:xfrm>
+          <a:prstGeom prst="straightConnector1">
+            <a:avLst/>
+          </a:prstGeom>
+          <a:ln w="57150" cap="flat" cmpd="sng" algn="ctr">
+            <a:solidFill>
+              <a:schemeClr val="tx1">
+                <a:lumMod val="65000"/>
+                <a:lumOff val="35000"/>
+              </a:schemeClr>
+            </a:solidFill>
+            <a:prstDash val="solid"/>
+            <a:round/>
+            <a:headEnd type="none" w="med" len="med"/>
+            <a:tailEnd type="arrow" w="med" len="med"/>
+          </a:ln>
+        </p:spPr>
+        <p:style>
+          <a:lnRef idx="0">
+            <a:scrgbClr r="0" g="0" b="0"/>
+          </a:lnRef>
+          <a:fillRef idx="0">
+            <a:scrgbClr r="0" g="0" b="0"/>
+          </a:fillRef>
+          <a:effectRef idx="0">
+            <a:scrgbClr r="0" g="0" b="0"/>
+          </a:effectRef>
+          <a:fontRef idx="minor">
+            <a:schemeClr val="tx1"/>
+          </a:fontRef>
+        </p:style>
+      </p:cxnSp>
+      <p:cxnSp>
+        <p:nvCxnSpPr>
+          <p:cNvPr id="20" name="直線矢印コネクタ 19">
+            <a:extLst>
+              <a:ext uri="{FF2B5EF4-FFF2-40B4-BE49-F238E27FC236}">
+                <a16:creationId xmlns:a16="http://schemas.microsoft.com/office/drawing/2014/main" id="{1EE3420A-63D9-43F8-9457-77E1B2F23B6A}"/>
+              </a:ext>
+            </a:extLst>
+          </p:cNvPr>
+          <p:cNvCxnSpPr>
+            <a:cxnSpLocks/>
+          </p:cNvCxnSpPr>
+          <p:nvPr/>
+        </p:nvCxnSpPr>
+        <p:spPr>
+          <a:xfrm flipH="1">
+            <a:off x="6622739" y="3546803"/>
+            <a:ext cx="2602904" cy="0"/>
+          </a:xfrm>
+          <a:prstGeom prst="straightConnector1">
+            <a:avLst/>
+          </a:prstGeom>
+          <a:ln w="57150" cap="flat" cmpd="sng" algn="ctr">
+            <a:solidFill>
+              <a:schemeClr val="tx1">
+                <a:lumMod val="65000"/>
+                <a:lumOff val="35000"/>
+              </a:schemeClr>
+            </a:solidFill>
+            <a:prstDash val="solid"/>
+            <a:round/>
+            <a:headEnd type="none" w="med" len="med"/>
+            <a:tailEnd type="arrow" w="med" len="med"/>
+          </a:ln>
+        </p:spPr>
+        <p:style>
+          <a:lnRef idx="0">
+            <a:scrgbClr r="0" g="0" b="0"/>
+          </a:lnRef>
+          <a:fillRef idx="0">
+            <a:scrgbClr r="0" g="0" b="0"/>
+          </a:fillRef>
+          <a:effectRef idx="0">
+            <a:scrgbClr r="0" g="0" b="0"/>
+          </a:effectRef>
+          <a:fontRef idx="minor">
+            <a:schemeClr val="tx1"/>
+          </a:fontRef>
+        </p:style>
+      </p:cxnSp>
+      <p:grpSp>
+        <p:nvGrpSpPr>
+          <p:cNvPr id="25" name="グループ化 24">
+            <a:extLst>
+              <a:ext uri="{FF2B5EF4-FFF2-40B4-BE49-F238E27FC236}">
+                <a16:creationId xmlns:a16="http://schemas.microsoft.com/office/drawing/2014/main" id="{2C71F5A0-76A3-4138-B214-EC83A8E3EE0C}"/>
+              </a:ext>
+            </a:extLst>
+          </p:cNvPr>
+          <p:cNvGrpSpPr/>
+          <p:nvPr/>
+        </p:nvGrpSpPr>
+        <p:grpSpPr>
+          <a:xfrm>
+            <a:off x="9745140" y="2645380"/>
+            <a:ext cx="2082927" cy="2074492"/>
+            <a:chOff x="5628079" y="3094514"/>
+            <a:chExt cx="1552842" cy="1567661"/>
+          </a:xfrm>
+        </p:grpSpPr>
+        <p:grpSp>
+          <p:nvGrpSpPr>
+            <p:cNvPr id="23" name="グループ化 22">
+              <a:extLst>
+                <a:ext uri="{FF2B5EF4-FFF2-40B4-BE49-F238E27FC236}">
+                  <a16:creationId xmlns:a16="http://schemas.microsoft.com/office/drawing/2014/main" id="{E8D8E836-2DFD-4059-99D4-2E6FD92AA8E5}"/>
+                </a:ext>
+              </a:extLst>
+            </p:cNvPr>
+            <p:cNvGrpSpPr/>
+            <p:nvPr/>
+          </p:nvGrpSpPr>
+          <p:grpSpPr>
+            <a:xfrm>
+              <a:off x="5679409" y="3094514"/>
+              <a:ext cx="1263329" cy="1101481"/>
+              <a:chOff x="5329619" y="1748451"/>
+              <a:chExt cx="1464263" cy="1244915"/>
+            </a:xfrm>
+          </p:grpSpPr>
+          <p:sp>
+            <p:nvSpPr>
+              <p:cNvPr id="21" name="楕円 20">
+                <a:extLst>
+                  <a:ext uri="{FF2B5EF4-FFF2-40B4-BE49-F238E27FC236}">
+                    <a16:creationId xmlns:a16="http://schemas.microsoft.com/office/drawing/2014/main" id="{33C0A642-2476-403D-8BC6-7DFFCFB799D5}"/>
+                  </a:ext>
+                </a:extLst>
+              </p:cNvPr>
+              <p:cNvSpPr/>
+              <p:nvPr/>
+            </p:nvSpPr>
+            <p:spPr>
+              <a:xfrm>
+                <a:off x="5476711" y="1748451"/>
+                <a:ext cx="1317171" cy="1244915"/>
+              </a:xfrm>
+              <a:prstGeom prst="ellipse">
+                <a:avLst/>
+              </a:prstGeom>
+              <a:noFill/>
+              <a:ln w="38100" cap="flat" cmpd="sng" algn="ctr">
+                <a:solidFill>
+                  <a:schemeClr val="accent2"/>
+                </a:solidFill>
+                <a:prstDash val="solid"/>
+                <a:round/>
+                <a:headEnd type="none" w="med" len="med"/>
+                <a:tailEnd type="none" w="med" len="med"/>
+              </a:ln>
+            </p:spPr>
+            <p:style>
+              <a:lnRef idx="0">
+                <a:scrgbClr r="0" g="0" b="0"/>
+              </a:lnRef>
+              <a:fillRef idx="0">
+                <a:scrgbClr r="0" g="0" b="0"/>
+              </a:fillRef>
+              <a:effectRef idx="0">
+                <a:scrgbClr r="0" g="0" b="0"/>
+              </a:effectRef>
+              <a:fontRef idx="minor">
+                <a:schemeClr val="accent2"/>
+              </a:fontRef>
+            </p:style>
+            <p:txBody>
+              <a:bodyPr rtlCol="0" anchor="ctr"/>
+              <a:lstStyle/>
+              <a:p>
+                <a:pPr algn="ctr"/>
+                <a:endParaRPr kumimoji="1" lang="ja-JP" altLang="en-US"/>
+              </a:p>
+            </p:txBody>
+          </p:sp>
+          <p:sp>
+            <p:nvSpPr>
+              <p:cNvPr id="22" name="矢印: 上カーブ 21">
+                <a:extLst>
+                  <a:ext uri="{FF2B5EF4-FFF2-40B4-BE49-F238E27FC236}">
+                    <a16:creationId xmlns:a16="http://schemas.microsoft.com/office/drawing/2014/main" id="{AE4AA879-5500-4425-AB9F-14FFD6234A99}"/>
+                  </a:ext>
+                </a:extLst>
+              </p:cNvPr>
+              <p:cNvSpPr/>
+              <p:nvPr/>
+            </p:nvSpPr>
+            <p:spPr>
+              <a:xfrm rot="1812401">
+                <a:off x="5329619" y="2308005"/>
+                <a:ext cx="1298486" cy="648384"/>
+              </a:xfrm>
+              <a:prstGeom prst="curvedUpArrow">
+                <a:avLst/>
+              </a:prstGeom>
+              <a:gradFill flip="none" rotWithShape="1">
+                <a:gsLst>
+                  <a:gs pos="0">
+                    <a:schemeClr val="accent2">
+                      <a:lumMod val="67000"/>
+                    </a:schemeClr>
+                  </a:gs>
+                  <a:gs pos="48000">
+                    <a:schemeClr val="accent2">
+                      <a:lumMod val="97000"/>
+                      <a:lumOff val="3000"/>
+                    </a:schemeClr>
+                  </a:gs>
+                  <a:gs pos="100000">
+                    <a:schemeClr val="accent2">
+                      <a:lumMod val="60000"/>
+                      <a:lumOff val="40000"/>
+                    </a:schemeClr>
+                  </a:gs>
+                </a:gsLst>
+                <a:lin ang="16200000" scaled="1"/>
+                <a:tileRect/>
+              </a:gradFill>
+              <a:ln>
+                <a:noFill/>
+              </a:ln>
+            </p:spPr>
+            <p:style>
+              <a:lnRef idx="0">
+                <a:scrgbClr r="0" g="0" b="0"/>
+              </a:lnRef>
+              <a:fillRef idx="0">
+                <a:scrgbClr r="0" g="0" b="0"/>
+              </a:fillRef>
+              <a:effectRef idx="0">
+                <a:scrgbClr r="0" g="0" b="0"/>
+              </a:effectRef>
+              <a:fontRef idx="minor">
+                <a:schemeClr val="lt1"/>
+              </a:fontRef>
+            </p:style>
+            <p:txBody>
+              <a:bodyPr rtlCol="0" anchor="ctr"/>
+              <a:lstStyle/>
+              <a:p>
+                <a:pPr algn="ctr"/>
+                <a:endParaRPr kumimoji="1" lang="ja-JP" altLang="en-US">
+                  <a:solidFill>
+                    <a:schemeClr val="tx1"/>
+                  </a:solidFill>
+                </a:endParaRPr>
+              </a:p>
+            </p:txBody>
+          </p:sp>
+        </p:grpSp>
+        <p:sp>
+          <p:nvSpPr>
+            <p:cNvPr id="24" name="テキスト ボックス 23">
+              <a:extLst>
+                <a:ext uri="{FF2B5EF4-FFF2-40B4-BE49-F238E27FC236}">
+                  <a16:creationId xmlns:a16="http://schemas.microsoft.com/office/drawing/2014/main" id="{E0956CE3-526B-46DF-996A-89172D787837}"/>
+                </a:ext>
+              </a:extLst>
+            </p:cNvPr>
+            <p:cNvSpPr txBox="1"/>
+            <p:nvPr/>
+          </p:nvSpPr>
+          <p:spPr>
+            <a:xfrm>
+              <a:off x="5628079" y="4359818"/>
+              <a:ext cx="1552842" cy="302357"/>
+            </a:xfrm>
+            <a:prstGeom prst="rect">
+              <a:avLst/>
+            </a:prstGeom>
+            <a:noFill/>
+          </p:spPr>
+          <p:txBody>
+            <a:bodyPr wrap="square" rtlCol="0">
+              <a:spAutoFit/>
+            </a:bodyPr>
+            <a:lstStyle/>
+            <a:p>
+              <a:r>
+                <a:rPr kumimoji="1" lang="ja-JP" altLang="en-US" sz="2000" dirty="0"/>
+                <a:t>コントローラー</a:t>
+              </a:r>
+            </a:p>
+          </p:txBody>
+        </p:sp>
+      </p:grpSp>
+      <p:sp>
+        <p:nvSpPr>
+          <p:cNvPr id="10" name="テキスト ボックス 9">
+            <a:extLst>
+              <a:ext uri="{FF2B5EF4-FFF2-40B4-BE49-F238E27FC236}">
+                <a16:creationId xmlns:a16="http://schemas.microsoft.com/office/drawing/2014/main" id="{A9949CBB-F2C8-451F-98AB-51633C96BE1C}"/>
+              </a:ext>
+            </a:extLst>
+          </p:cNvPr>
+          <p:cNvSpPr txBox="1"/>
+          <p:nvPr/>
+        </p:nvSpPr>
+        <p:spPr>
+          <a:xfrm>
+            <a:off x="5993045" y="1662976"/>
+            <a:ext cx="4405373" cy="1200329"/>
+          </a:xfrm>
+          <a:prstGeom prst="rect">
+            <a:avLst/>
+          </a:prstGeom>
+          <a:noFill/>
+        </p:spPr>
+        <p:txBody>
+          <a:bodyPr wrap="none" rtlCol="0">
+            <a:spAutoFit/>
+          </a:bodyPr>
+          <a:lstStyle/>
+          <a:p>
+            <a:r>
+              <a:rPr kumimoji="1" lang="ja-JP" altLang="en-US" dirty="0"/>
+              <a:t>トップページ</a:t>
+            </a:r>
+            <a:r>
+              <a:rPr kumimoji="1" lang="en-US" altLang="ja-JP" dirty="0"/>
+              <a:t>…</a:t>
+            </a:r>
+            <a:r>
+              <a:rPr kumimoji="1" lang="en-US" altLang="ja-JP" dirty="0" err="1"/>
+              <a:t>WebAPI</a:t>
+            </a:r>
+            <a:r>
+              <a:rPr kumimoji="1" lang="ja-JP" altLang="en-US" dirty="0"/>
+              <a:t>から</a:t>
+            </a:r>
+            <a:r>
+              <a:rPr kumimoji="1" lang="en-US" altLang="ja-JP" dirty="0"/>
+              <a:t>XML</a:t>
+            </a:r>
+            <a:r>
+              <a:rPr kumimoji="1" lang="ja-JP" altLang="en-US" dirty="0"/>
+              <a:t>形式で</a:t>
+            </a:r>
+            <a:endParaRPr kumimoji="1" lang="en-US" altLang="ja-JP" dirty="0"/>
+          </a:p>
+          <a:p>
+            <a:r>
+              <a:rPr kumimoji="1" lang="en-US" altLang="ja-JP" dirty="0"/>
+              <a:t>			</a:t>
+            </a:r>
+            <a:r>
+              <a:rPr kumimoji="1" lang="ja-JP" altLang="en-US" dirty="0"/>
+              <a:t>　ルート情報を取得</a:t>
+            </a:r>
+            <a:endParaRPr kumimoji="1" lang="en-US" altLang="ja-JP" dirty="0"/>
+          </a:p>
+          <a:p>
+            <a:r>
+              <a:rPr kumimoji="1" lang="ja-JP" altLang="en-US" dirty="0"/>
+              <a:t>詳細ページ</a:t>
+            </a:r>
+            <a:r>
+              <a:rPr kumimoji="1" lang="en-US" altLang="ja-JP" dirty="0"/>
+              <a:t>…Web</a:t>
+            </a:r>
+            <a:r>
+              <a:rPr kumimoji="1" lang="ja-JP" altLang="en-US" dirty="0"/>
+              <a:t>ページから</a:t>
+            </a:r>
+            <a:r>
+              <a:rPr kumimoji="1" lang="en-US" altLang="ja-JP" dirty="0"/>
+              <a:t>XML</a:t>
+            </a:r>
+            <a:r>
+              <a:rPr kumimoji="1" lang="ja-JP" altLang="en-US" dirty="0"/>
+              <a:t>形式で</a:t>
+            </a:r>
+            <a:endParaRPr kumimoji="1" lang="en-US" altLang="ja-JP" dirty="0"/>
+          </a:p>
+          <a:p>
+            <a:r>
+              <a:rPr kumimoji="1" lang="ja-JP" altLang="en-US" dirty="0"/>
+              <a:t>　</a:t>
+            </a:r>
+            <a:r>
+              <a:rPr kumimoji="1" lang="en-US" altLang="ja-JP" dirty="0"/>
+              <a:t>			</a:t>
+            </a:r>
+            <a:r>
+              <a:rPr kumimoji="1" lang="ja-JP" altLang="en-US" dirty="0"/>
+              <a:t>緯度経度を取得</a:t>
+            </a:r>
+          </a:p>
+        </p:txBody>
+      </p:sp>
+      <p:sp>
+        <p:nvSpPr>
+          <p:cNvPr id="15" name="テキスト ボックス 14">
+            <a:extLst>
+              <a:ext uri="{FF2B5EF4-FFF2-40B4-BE49-F238E27FC236}">
+                <a16:creationId xmlns:a16="http://schemas.microsoft.com/office/drawing/2014/main" id="{F4AEAD89-9F34-42AA-AFD6-F9534B16C16B}"/>
+              </a:ext>
+            </a:extLst>
+          </p:cNvPr>
+          <p:cNvSpPr txBox="1"/>
+          <p:nvPr/>
+        </p:nvSpPr>
+        <p:spPr>
+          <a:xfrm>
+            <a:off x="6181708" y="3835925"/>
+            <a:ext cx="3876382" cy="646331"/>
+          </a:xfrm>
+          <a:prstGeom prst="rect">
+            <a:avLst/>
+          </a:prstGeom>
+          <a:noFill/>
+        </p:spPr>
+        <p:txBody>
+          <a:bodyPr wrap="none" rtlCol="0">
+            <a:spAutoFit/>
+          </a:bodyPr>
+          <a:lstStyle/>
+          <a:p>
+            <a:r>
+              <a:rPr kumimoji="1" lang="ja-JP" altLang="en-US" dirty="0"/>
+              <a:t>送られてきた</a:t>
+            </a:r>
+            <a:r>
+              <a:rPr kumimoji="1" lang="en-US" altLang="ja-JP" dirty="0"/>
+              <a:t>XML</a:t>
+            </a:r>
+            <a:r>
+              <a:rPr kumimoji="1" lang="ja-JP" altLang="en-US" dirty="0"/>
+              <a:t>形式のデータから</a:t>
+            </a:r>
+            <a:endParaRPr kumimoji="1" lang="en-US" altLang="ja-JP" dirty="0"/>
+          </a:p>
+          <a:p>
+            <a:r>
+              <a:rPr kumimoji="1" lang="ja-JP" altLang="en-US" dirty="0"/>
+              <a:t>必要な要素の抽出・表示</a:t>
+            </a:r>
+          </a:p>
+        </p:txBody>
+      </p:sp>
+      <p:sp>
+        <p:nvSpPr>
+          <p:cNvPr id="16" name="テキスト ボックス 15">
+            <a:extLst>
+              <a:ext uri="{FF2B5EF4-FFF2-40B4-BE49-F238E27FC236}">
+                <a16:creationId xmlns:a16="http://schemas.microsoft.com/office/drawing/2014/main" id="{26B288D1-553C-4A27-870D-E350527F64EB}"/>
+              </a:ext>
+            </a:extLst>
+          </p:cNvPr>
+          <p:cNvSpPr txBox="1"/>
+          <p:nvPr/>
+        </p:nvSpPr>
+        <p:spPr>
+          <a:xfrm>
+            <a:off x="1977362" y="2521848"/>
+            <a:ext cx="2031325" cy="369332"/>
+          </a:xfrm>
+          <a:prstGeom prst="rect">
+            <a:avLst/>
+          </a:prstGeom>
+          <a:noFill/>
+        </p:spPr>
+        <p:txBody>
+          <a:bodyPr wrap="none" rtlCol="0">
+            <a:spAutoFit/>
+          </a:bodyPr>
+          <a:lstStyle/>
+          <a:p>
+            <a:r>
+              <a:rPr kumimoji="1" lang="ja-JP" altLang="en-US" dirty="0"/>
+              <a:t>求める情報を選択</a:t>
+            </a:r>
+          </a:p>
+        </p:txBody>
+      </p:sp>
+    </p:spTree>
+    <p:extLst>
+      <p:ext uri="{BB962C8B-B14F-4D97-AF65-F5344CB8AC3E}">
+        <p14:creationId xmlns:p14="http://schemas.microsoft.com/office/powerpoint/2010/main" val="2582197917"/>
+      </p:ext>
+    </p:extLst>
+  </p:cSld>
+  <p:clrMapOvr>
+    <a:masterClrMapping/>
+  </p:clrMapOvr>
+</p:sld>
+</file>
+
+<file path=ppt/slides/slide8.xml><?xml version="1.0" encoding="utf-8"?>
+<p:sld xmlns:a="http://schemas.openxmlformats.org/drawingml/2006/main" xmlns:r="http://schemas.openxmlformats.org/officeDocument/2006/relationships" xmlns:p="http://schemas.openxmlformats.org/presentationml/2006/main">
+  <p:cSld>
+    <p:spTree>
+      <p:nvGrpSpPr>
+        <p:cNvPr id="1" name=""/>
+        <p:cNvGrpSpPr/>
+        <p:nvPr/>
+      </p:nvGrpSpPr>
+      <p:grpSpPr>
+        <a:xfrm>
+          <a:off x="0" y="0"/>
+          <a:ext cx="0" cy="0"/>
+          <a:chOff x="0" y="0"/>
+          <a:chExt cx="0" cy="0"/>
+        </a:xfrm>
+      </p:grpSpPr>
+      <p:sp>
+        <p:nvSpPr>
+          <p:cNvPr id="2" name="タイトル 1">
+            <a:extLst>
+              <a:ext uri="{FF2B5EF4-FFF2-40B4-BE49-F238E27FC236}">
+                <a16:creationId xmlns:a16="http://schemas.microsoft.com/office/drawing/2014/main" id="{4BE4735B-1C09-4AF8-8770-36CFAD91B23F}"/>
+              </a:ext>
+            </a:extLst>
+          </p:cNvPr>
+          <p:cNvSpPr>
+            <a:spLocks noGrp="1"/>
+          </p:cNvSpPr>
+          <p:nvPr>
+            <p:ph type="title"/>
+          </p:nvPr>
+        </p:nvSpPr>
+        <p:spPr>
+          <a:xfrm>
+            <a:off x="1784412" y="532660"/>
+            <a:ext cx="9720199" cy="745724"/>
+          </a:xfrm>
+        </p:spPr>
+        <p:txBody>
+          <a:bodyPr>
+            <a:normAutofit/>
+          </a:bodyPr>
+          <a:lstStyle/>
+          <a:p>
+            <a:r>
+              <a:rPr kumimoji="1" lang="ja-JP" altLang="en-US" sz="4000" dirty="0"/>
+              <a:t>役割分担</a:t>
+            </a:r>
+          </a:p>
+        </p:txBody>
+      </p:sp>
+      <p:sp>
+        <p:nvSpPr>
+          <p:cNvPr id="3" name="テキスト ボックス 2">
+            <a:extLst>
+              <a:ext uri="{FF2B5EF4-FFF2-40B4-BE49-F238E27FC236}">
+                <a16:creationId xmlns:a16="http://schemas.microsoft.com/office/drawing/2014/main" id="{E5BBB874-F013-4E8F-B2CB-E9572BDD9EA4}"/>
+              </a:ext>
+            </a:extLst>
+          </p:cNvPr>
+          <p:cNvSpPr txBox="1"/>
+          <p:nvPr/>
+        </p:nvSpPr>
+        <p:spPr>
+          <a:xfrm>
+            <a:off x="699910" y="1664304"/>
+            <a:ext cx="11492089" cy="3662541"/>
+          </a:xfrm>
+          <a:prstGeom prst="rect">
+            <a:avLst/>
+          </a:prstGeom>
+          <a:noFill/>
+        </p:spPr>
+        <p:txBody>
+          <a:bodyPr wrap="square" rtlCol="0">
+            <a:spAutoFit/>
+          </a:bodyPr>
+          <a:lstStyle/>
+          <a:p>
+            <a:r>
+              <a:rPr kumimoji="1" lang="ja-JP" altLang="en-US" sz="3200" dirty="0">
+                <a:latin typeface="+mn-ea"/>
+              </a:rPr>
+              <a:t>山本：</a:t>
+            </a:r>
+            <a:r>
+              <a:rPr kumimoji="1" lang="ja-JP" altLang="en-US" sz="2800" dirty="0">
+                <a:latin typeface="+mn-ea"/>
+              </a:rPr>
+              <a:t>全ての環境導入と、その環境の再配布，環境導入のお手伝い，</a:t>
+            </a:r>
+            <a:endParaRPr kumimoji="1" lang="en-US" altLang="ja-JP" sz="2800" dirty="0">
+              <a:latin typeface="+mn-ea"/>
+            </a:endParaRPr>
+          </a:p>
+          <a:p>
+            <a:r>
+              <a:rPr kumimoji="1" lang="ja-JP" altLang="en-US" sz="2800" dirty="0">
+                <a:latin typeface="+mn-ea"/>
+              </a:rPr>
+              <a:t>　　　 今回初めて使う機能のリサーチと説明，画面設計，</a:t>
+            </a:r>
+            <a:endParaRPr kumimoji="1" lang="en-US" altLang="ja-JP" sz="2800" dirty="0">
+              <a:latin typeface="+mn-ea"/>
+            </a:endParaRPr>
+          </a:p>
+          <a:p>
+            <a:r>
+              <a:rPr kumimoji="1" lang="ja-JP" altLang="en-US" sz="2800" dirty="0">
+                <a:latin typeface="+mn-ea"/>
+              </a:rPr>
+              <a:t>　　　 </a:t>
+            </a:r>
+            <a:r>
+              <a:rPr kumimoji="1" lang="en-US" altLang="ja-JP" sz="2800" dirty="0">
+                <a:latin typeface="+mn-ea"/>
+              </a:rPr>
+              <a:t>IC</a:t>
+            </a:r>
+            <a:r>
+              <a:rPr kumimoji="1" lang="ja-JP" altLang="en-US" sz="2800" dirty="0">
+                <a:latin typeface="+mn-ea"/>
+              </a:rPr>
+              <a:t>一覧や都道府県一覧等のフォームで使うデータの入力 </a:t>
+            </a:r>
+            <a:r>
+              <a:rPr kumimoji="1" lang="en-US" altLang="ja-JP" sz="2800" dirty="0" err="1">
+                <a:latin typeface="+mn-ea"/>
+              </a:rPr>
+              <a:t>etc</a:t>
+            </a:r>
+            <a:r>
+              <a:rPr kumimoji="1" lang="en-US" altLang="ja-JP" sz="2800" dirty="0">
+                <a:latin typeface="+mn-ea"/>
+              </a:rPr>
+              <a:t>…</a:t>
+            </a:r>
+          </a:p>
+          <a:p>
+            <a:r>
+              <a:rPr kumimoji="1" lang="ja-JP" altLang="en-US" sz="2800" dirty="0">
+                <a:latin typeface="+mn-ea"/>
+              </a:rPr>
+              <a:t>　　　 </a:t>
+            </a:r>
+            <a:r>
+              <a:rPr kumimoji="1" lang="en-US" altLang="ja-JP" sz="2800" dirty="0">
+                <a:solidFill>
+                  <a:srgbClr val="C00000"/>
+                </a:solidFill>
+                <a:latin typeface="+mn-ea"/>
+              </a:rPr>
+              <a:t>HTML,CSS, Blade,</a:t>
+            </a:r>
+            <a:r>
+              <a:rPr kumimoji="1" lang="ja-JP" altLang="en-US" sz="2800" dirty="0">
+                <a:solidFill>
+                  <a:srgbClr val="C00000"/>
+                </a:solidFill>
+                <a:latin typeface="+mn-ea"/>
+              </a:rPr>
+              <a:t>少し</a:t>
+            </a:r>
+            <a:r>
+              <a:rPr kumimoji="1" lang="en-US" altLang="ja-JP" sz="2800" dirty="0" err="1">
+                <a:solidFill>
+                  <a:srgbClr val="C00000"/>
+                </a:solidFill>
+                <a:latin typeface="+mn-ea"/>
+              </a:rPr>
+              <a:t>JavaScript,jQuery</a:t>
+            </a:r>
+            <a:endParaRPr kumimoji="1" lang="en-US" altLang="ja-JP" sz="2800" dirty="0">
+              <a:solidFill>
+                <a:srgbClr val="C00000"/>
+              </a:solidFill>
+              <a:latin typeface="+mn-ea"/>
+            </a:endParaRPr>
+          </a:p>
+          <a:p>
+            <a:endParaRPr kumimoji="1" lang="en-US" altLang="ja-JP" sz="2800" dirty="0">
+              <a:latin typeface="+mn-ea"/>
+            </a:endParaRPr>
+          </a:p>
+          <a:p>
+            <a:r>
+              <a:rPr kumimoji="1" lang="ja-JP" altLang="en-US" sz="3200" dirty="0">
+                <a:latin typeface="+mn-ea"/>
+              </a:rPr>
+              <a:t>西田：</a:t>
+            </a:r>
+            <a:r>
+              <a:rPr kumimoji="1" lang="ja-JP" altLang="en-US" sz="2800" dirty="0">
+                <a:latin typeface="+mn-ea"/>
+              </a:rPr>
+              <a:t>環境導入，今回初めて使う機能の勉強，</a:t>
+            </a:r>
+            <a:endParaRPr kumimoji="1" lang="en-US" altLang="ja-JP" sz="2800" dirty="0">
+              <a:latin typeface="+mn-ea"/>
+            </a:endParaRPr>
+          </a:p>
+          <a:p>
+            <a:r>
+              <a:rPr kumimoji="1" lang="en-US" altLang="ja-JP" sz="2800" dirty="0">
+                <a:latin typeface="+mn-ea"/>
+              </a:rPr>
+              <a:t>		  </a:t>
+            </a:r>
+            <a:r>
+              <a:rPr kumimoji="1" lang="ja-JP" altLang="en-US" sz="2800" dirty="0">
+                <a:latin typeface="+mn-ea"/>
+              </a:rPr>
+              <a:t>アイコン画像製作，内部設計</a:t>
+            </a:r>
+            <a:endParaRPr kumimoji="1" lang="en-US" altLang="ja-JP" sz="2800" dirty="0">
+              <a:latin typeface="+mn-ea"/>
+            </a:endParaRPr>
+          </a:p>
+          <a:p>
+            <a:r>
+              <a:rPr kumimoji="1" lang="ja-JP" altLang="en-US" sz="2800" dirty="0">
+                <a:latin typeface="+mn-ea"/>
+              </a:rPr>
+              <a:t>　　　 </a:t>
+            </a:r>
+            <a:r>
+              <a:rPr kumimoji="1" lang="en-US" altLang="ja-JP" sz="2800" dirty="0" err="1">
+                <a:solidFill>
+                  <a:srgbClr val="C00000"/>
+                </a:solidFill>
+                <a:latin typeface="+mn-ea"/>
+              </a:rPr>
+              <a:t>PHP,Blade,JavaScript,Json,XML</a:t>
+            </a:r>
+            <a:r>
+              <a:rPr kumimoji="1" lang="en-US" altLang="ja-JP" sz="2800" dirty="0">
+                <a:solidFill>
+                  <a:srgbClr val="C00000"/>
+                </a:solidFill>
+                <a:latin typeface="+mn-ea"/>
+              </a:rPr>
+              <a:t>,</a:t>
+            </a:r>
+            <a:r>
+              <a:rPr kumimoji="1" lang="ja-JP" altLang="en-US" sz="2800" dirty="0">
+                <a:solidFill>
+                  <a:srgbClr val="C00000"/>
+                </a:solidFill>
+                <a:latin typeface="+mn-ea"/>
+              </a:rPr>
+              <a:t>少し</a:t>
+            </a:r>
+            <a:r>
+              <a:rPr kumimoji="1" lang="en-US" altLang="ja-JP" sz="2800" dirty="0">
+                <a:solidFill>
+                  <a:srgbClr val="C00000"/>
+                </a:solidFill>
+                <a:latin typeface="+mn-ea"/>
+              </a:rPr>
+              <a:t>HTML</a:t>
+            </a:r>
+          </a:p>
+        </p:txBody>
+      </p:sp>
+    </p:spTree>
+    <p:extLst>
+      <p:ext uri="{BB962C8B-B14F-4D97-AF65-F5344CB8AC3E}">
+        <p14:creationId xmlns:p14="http://schemas.microsoft.com/office/powerpoint/2010/main" val="1200733704"/>
+      </p:ext>
+    </p:extLst>
+  </p:cSld>
+  <p:clrMapOvr>
+    <a:masterClrMapping/>
+  </p:clrMapOvr>
+</p:sld>
+</file>
+
+<file path=ppt/slides/slide9.xml><?xml version="1.0" encoding="utf-8"?>
+<p:sld xmlns:a="http://schemas.openxmlformats.org/drawingml/2006/main" xmlns:r="http://schemas.openxmlformats.org/officeDocument/2006/relationships" xmlns:p="http://schemas.openxmlformats.org/presentationml/2006/main">
+  <p:cSld>
+    <p:spTree>
+      <p:nvGrpSpPr>
+        <p:cNvPr id="1" name=""/>
+        <p:cNvGrpSpPr/>
+        <p:nvPr/>
+      </p:nvGrpSpPr>
+      <p:grpSpPr>
+        <a:xfrm>
+          <a:off x="0" y="0"/>
+          <a:ext cx="0" cy="0"/>
+          <a:chOff x="0" y="0"/>
+          <a:chExt cx="0" cy="0"/>
+        </a:xfrm>
+      </p:grpSpPr>
+      <p:sp>
+        <p:nvSpPr>
+          <p:cNvPr id="2" name="タイトル 1">
+            <a:extLst>
+              <a:ext uri="{FF2B5EF4-FFF2-40B4-BE49-F238E27FC236}">
+                <a16:creationId xmlns:a16="http://schemas.microsoft.com/office/drawing/2014/main" id="{4BE4735B-1C09-4AF8-8770-36CFAD91B23F}"/>
+              </a:ext>
+            </a:extLst>
+          </p:cNvPr>
+          <p:cNvSpPr>
+            <a:spLocks noGrp="1"/>
+          </p:cNvSpPr>
+          <p:nvPr>
+            <p:ph type="title"/>
+          </p:nvPr>
+        </p:nvSpPr>
+        <p:spPr>
+          <a:xfrm>
+            <a:off x="1784412" y="532660"/>
+            <a:ext cx="9720199" cy="745724"/>
+          </a:xfrm>
+        </p:spPr>
+        <p:txBody>
+          <a:bodyPr>
+            <a:normAutofit/>
+          </a:bodyPr>
+          <a:lstStyle/>
+          <a:p>
+            <a:r>
+              <a:rPr kumimoji="1" lang="ja-JP" altLang="en-US" sz="4000" dirty="0"/>
               <a:t>実装状況 </a:t>
             </a:r>
             <a:r>
@@ -11671,14 +13933,14 @@
           <a:p>
             <a:r>
               <a:rPr kumimoji="1" lang="ja-JP" altLang="en-US" sz="2800" dirty="0"/>
-              <a:t>　→「ここからここを通ってこっちに向かう」という厳密なルート設定</a:t>
+              <a:t>　→ルート２以降が未実装。</a:t>
             </a:r>
             <a:endParaRPr kumimoji="1" lang="en-US" altLang="ja-JP" sz="2800" dirty="0"/>
           </a:p>
           <a:p>
             <a:r>
               <a:rPr kumimoji="1" lang="ja-JP" altLang="en-US" sz="2800" dirty="0"/>
-              <a:t>　　に必要だったのが各</a:t>
+              <a:t>　→地図の仕様上、長い距離や何か所も</a:t>
             </a:r>
             <a:r>
               <a:rPr kumimoji="1" lang="en-US" altLang="ja-JP" sz="2800" dirty="0"/>
@@ -11686,16 +13948,35 @@
             </a:r>
             <a:r>
               <a:rPr kumimoji="1" lang="ja-JP" altLang="en-US" sz="2800" dirty="0"/>
-              <a:t>の緯度と経度情報。障害や時間的問題が多数</a:t>
+              <a:t>を経由する場合、</a:t>
             </a:r>
             <a:endParaRPr kumimoji="1" lang="en-US" altLang="ja-JP" sz="2800" dirty="0"/>
           </a:p>
           <a:p>
             <a:r>
               <a:rPr kumimoji="1" lang="ja-JP" altLang="en-US" sz="2800" dirty="0"/>
-              <a:t>　　あった。</a:t>
-            </a:r>
-            <a:endParaRPr kumimoji="1" lang="en-US" altLang="ja-JP" sz="2800" dirty="0"/>
+              <a:t>　　地図が出ない。</a:t>
+            </a:r>
+            <a:r>
+              <a:rPr kumimoji="1" lang="en-US" altLang="ja-JP" sz="2800" dirty="0"/>
+              <a:t>(</a:t>
+            </a:r>
+            <a:r>
+              <a:rPr kumimoji="1" lang="ja-JP" altLang="en-US" sz="2800" dirty="0"/>
+              <a:t>リクエスト</a:t>
+            </a:r>
+            <a:r>
+              <a:rPr kumimoji="1" lang="en-US" altLang="ja-JP" sz="2800" dirty="0"/>
+              <a:t>URL</a:t>
+            </a:r>
+            <a:r>
+              <a:rPr kumimoji="1" lang="ja-JP" altLang="en-US" sz="2800" dirty="0"/>
+              <a:t>の仕様による</a:t>
+            </a:r>
+            <a:r>
+              <a:rPr kumimoji="1" lang="en-US" altLang="ja-JP" sz="2800" dirty="0"/>
+              <a:t>)</a:t>
+            </a:r>
           </a:p>
         </p:txBody>
       </p:sp>
@@ -11795,588 +14076,6 @@
       <p:bldP spid="4" grpId="0"/>
     </p:bldLst>
   </p:timing>
-</p:sld>
-</file>
-
-<file path=ppt/slides/slide8.xml><?xml version="1.0" encoding="utf-8"?>
-<p:sld xmlns:a="http://schemas.openxmlformats.org/drawingml/2006/main" xmlns:r="http://schemas.openxmlformats.org/officeDocument/2006/relationships" xmlns:p="http://schemas.openxmlformats.org/presentationml/2006/main">
-  <p:cSld>
-    <p:spTree>
-      <p:nvGrpSpPr>
-        <p:cNvPr id="1" name=""/>
-        <p:cNvGrpSpPr/>
-        <p:nvPr/>
-      </p:nvGrpSpPr>
-      <p:grpSpPr>
-        <a:xfrm>
-          <a:off x="0" y="0"/>
-          <a:ext cx="0" cy="0"/>
-          <a:chOff x="0" y="0"/>
-          <a:chExt cx="0" cy="0"/>
-        </a:xfrm>
-      </p:grpSpPr>
-      <p:sp>
-        <p:nvSpPr>
-          <p:cNvPr id="2" name="タイトル 1">
-            <a:extLst>
-              <a:ext uri="{FF2B5EF4-FFF2-40B4-BE49-F238E27FC236}">
-                <a16:creationId xmlns:a16="http://schemas.microsoft.com/office/drawing/2014/main" id="{4BE4735B-1C09-4AF8-8770-36CFAD91B23F}"/>
-              </a:ext>
-            </a:extLst>
-          </p:cNvPr>
-          <p:cNvSpPr>
-            <a:spLocks noGrp="1"/>
-          </p:cNvSpPr>
-          <p:nvPr>
-            <p:ph type="title"/>
-          </p:nvPr>
-        </p:nvSpPr>
-        <p:spPr>
-          <a:xfrm>
-            <a:off x="1784412" y="532660"/>
-            <a:ext cx="9720199" cy="745724"/>
-          </a:xfrm>
-        </p:spPr>
-        <p:txBody>
-          <a:bodyPr>
-            <a:normAutofit/>
-          </a:bodyPr>
-          <a:lstStyle/>
-          <a:p>
-            <a:r>
-              <a:rPr kumimoji="1" lang="ja-JP" altLang="en-US" sz="4000" dirty="0"/>
-              <a:t>高速案内の仕様</a:t>
-            </a:r>
-            <a:r>
-              <a:rPr kumimoji="1" lang="en-US" altLang="ja-JP" sz="4000" dirty="0"/>
-              <a:t>+</a:t>
-            </a:r>
-            <a:r>
-              <a:rPr kumimoji="1" lang="ja-JP" altLang="en-US" sz="4000" dirty="0"/>
-              <a:t>＠</a:t>
-            </a:r>
-          </a:p>
-        </p:txBody>
-      </p:sp>
-      <p:sp>
-        <p:nvSpPr>
-          <p:cNvPr id="3" name="テキスト ボックス 2">
-            <a:extLst>
-              <a:ext uri="{FF2B5EF4-FFF2-40B4-BE49-F238E27FC236}">
-                <a16:creationId xmlns:a16="http://schemas.microsoft.com/office/drawing/2014/main" id="{F78D868C-CEA0-4E1A-A5C2-E88C3804E4F7}"/>
-              </a:ext>
-            </a:extLst>
-          </p:cNvPr>
-          <p:cNvSpPr txBox="1"/>
-          <p:nvPr/>
-        </p:nvSpPr>
-        <p:spPr>
-          <a:xfrm>
-            <a:off x="578269" y="1595021"/>
-            <a:ext cx="11613732" cy="4832092"/>
-          </a:xfrm>
-          <a:prstGeom prst="rect">
-            <a:avLst/>
-          </a:prstGeom>
-          <a:noFill/>
-        </p:spPr>
-        <p:txBody>
-          <a:bodyPr wrap="square" rtlCol="0">
-            <a:spAutoFit/>
-          </a:bodyPr>
-          <a:lstStyle/>
-          <a:p>
-            <a:r>
-              <a:rPr kumimoji="1" lang="en-US" altLang="ja-JP" sz="2800" b="1" u="sng" dirty="0"/>
-              <a:t>Ex</a:t>
-            </a:r>
-            <a:r>
-              <a:rPr kumimoji="1" lang="ja-JP" altLang="en-US" sz="2800" b="1" u="sng" dirty="0"/>
-              <a:t>　時間があったら実装したかったもの</a:t>
-            </a:r>
-            <a:endParaRPr kumimoji="1" lang="en-US" altLang="ja-JP" sz="2800" b="1" u="sng" dirty="0"/>
-          </a:p>
-          <a:p>
-            <a:endParaRPr kumimoji="1" lang="en-US" altLang="ja-JP" sz="2800" b="1" u="sng" dirty="0"/>
-          </a:p>
-          <a:p>
-            <a:r>
-              <a:rPr kumimoji="1" lang="ja-JP" altLang="en-US" sz="2800" dirty="0"/>
-              <a:t>・高速道路だけではなく、新幹線や電車、高速バス等も調べられるよう</a:t>
-            </a:r>
-            <a:endParaRPr kumimoji="1" lang="en-US" altLang="ja-JP" sz="2800" dirty="0"/>
-          </a:p>
-          <a:p>
-            <a:r>
-              <a:rPr kumimoji="1" lang="ja-JP" altLang="en-US" sz="2800" dirty="0"/>
-              <a:t>　新規ページ増設</a:t>
-            </a:r>
-            <a:endParaRPr kumimoji="1" lang="en-US" altLang="ja-JP" sz="2800" dirty="0"/>
-          </a:p>
-          <a:p>
-            <a:endParaRPr kumimoji="1" lang="en-US" altLang="ja-JP" sz="2800" dirty="0"/>
-          </a:p>
-          <a:p>
-            <a:r>
-              <a:rPr kumimoji="1" lang="ja-JP" altLang="en-US" sz="2800" dirty="0"/>
-              <a:t>・天気表示フィールドに日付指定の追加</a:t>
-            </a:r>
-            <a:endParaRPr kumimoji="1" lang="en-US" altLang="ja-JP" sz="2800" dirty="0"/>
-          </a:p>
-          <a:p>
-            <a:endParaRPr kumimoji="1" lang="en-US" altLang="ja-JP" sz="2800" dirty="0"/>
-          </a:p>
-          <a:p>
-            <a:r>
-              <a:rPr kumimoji="1" lang="ja-JP" altLang="en-US" sz="2800" dirty="0"/>
-              <a:t>・目的地の</a:t>
-            </a:r>
-            <a:r>
-              <a:rPr kumimoji="1" lang="en-US" altLang="ja-JP" sz="2800" dirty="0"/>
-              <a:t>IC</a:t>
-            </a:r>
-            <a:r>
-              <a:rPr kumimoji="1" lang="ja-JP" altLang="en-US" sz="2800" dirty="0"/>
-              <a:t>周辺のグルメ情報や宿情報表示</a:t>
-            </a:r>
-            <a:endParaRPr kumimoji="1" lang="en-US" altLang="ja-JP" sz="2800" dirty="0"/>
-          </a:p>
-          <a:p>
-            <a:endParaRPr kumimoji="1" lang="en-US" altLang="ja-JP" sz="2800" dirty="0"/>
-          </a:p>
-          <a:p>
-            <a:r>
-              <a:rPr kumimoji="1" lang="ja-JP" altLang="en-US" sz="2800" dirty="0"/>
-              <a:t>・スマートフォンやパソコン等、どの媒体でも快適に閲覧できるよう、</a:t>
-            </a:r>
-            <a:endParaRPr kumimoji="1" lang="en-US" altLang="ja-JP" sz="2800" dirty="0"/>
-          </a:p>
-          <a:p>
-            <a:r>
-              <a:rPr kumimoji="1" lang="ja-JP" altLang="en-US" sz="2800" dirty="0"/>
-              <a:t>　通信時の画面サイズにより</a:t>
-            </a:r>
-            <a:r>
-              <a:rPr kumimoji="1" lang="en-US" altLang="ja-JP" sz="2800" dirty="0"/>
-              <a:t>CSS</a:t>
-            </a:r>
-            <a:r>
-              <a:rPr kumimoji="1" lang="ja-JP" altLang="en-US" sz="2800" dirty="0"/>
-              <a:t>を書き換えるプログラム</a:t>
-            </a:r>
-            <a:endParaRPr kumimoji="1" lang="en-US" altLang="ja-JP" sz="2800" dirty="0"/>
-          </a:p>
-        </p:txBody>
-      </p:sp>
-    </p:spTree>
-    <p:extLst>
-      <p:ext uri="{BB962C8B-B14F-4D97-AF65-F5344CB8AC3E}">
-        <p14:creationId xmlns:p14="http://schemas.microsoft.com/office/powerpoint/2010/main" val="1301447994"/>
-      </p:ext>
-    </p:extLst>
-  </p:cSld>
-  <p:clrMapOvr>
-    <a:masterClrMapping/>
-  </p:clrMapOvr>
-</p:sld>
-</file>
-
-<file path=ppt/slides/slide9.xml><?xml version="1.0" encoding="utf-8"?>
-<p:sld xmlns:a="http://schemas.openxmlformats.org/drawingml/2006/main" xmlns:r="http://schemas.openxmlformats.org/officeDocument/2006/relationships" xmlns:p="http://schemas.openxmlformats.org/presentationml/2006/main">
-  <p:cSld>
-    <p:spTree>
-      <p:nvGrpSpPr>
-        <p:cNvPr id="1" name=""/>
-        <p:cNvGrpSpPr/>
-        <p:nvPr/>
-      </p:nvGrpSpPr>
-      <p:grpSpPr>
-        <a:xfrm>
-          <a:off x="0" y="0"/>
-          <a:ext cx="0" cy="0"/>
-          <a:chOff x="0" y="0"/>
-          <a:chExt cx="0" cy="0"/>
-        </a:xfrm>
-      </p:grpSpPr>
-      <p:sp>
-        <p:nvSpPr>
-          <p:cNvPr id="2" name="タイトル 1">
-            <a:extLst>
-              <a:ext uri="{FF2B5EF4-FFF2-40B4-BE49-F238E27FC236}">
-                <a16:creationId xmlns:a16="http://schemas.microsoft.com/office/drawing/2014/main" id="{4BE4735B-1C09-4AF8-8770-36CFAD91B23F}"/>
-              </a:ext>
-            </a:extLst>
-          </p:cNvPr>
-          <p:cNvSpPr>
-            <a:spLocks noGrp="1"/>
-          </p:cNvSpPr>
-          <p:nvPr>
-            <p:ph type="title"/>
-          </p:nvPr>
-        </p:nvSpPr>
-        <p:spPr>
-          <a:xfrm>
-            <a:off x="1784412" y="532660"/>
-            <a:ext cx="9720199" cy="745724"/>
-          </a:xfrm>
-        </p:spPr>
-        <p:txBody>
-          <a:bodyPr>
-            <a:normAutofit/>
-          </a:bodyPr>
-          <a:lstStyle/>
-          <a:p>
-            <a:r>
-              <a:rPr kumimoji="1" lang="ja-JP" altLang="en-US" sz="4000" dirty="0"/>
-              <a:t>感想とまとめ</a:t>
-            </a:r>
-          </a:p>
-        </p:txBody>
-      </p:sp>
-      <p:grpSp>
-        <p:nvGrpSpPr>
-          <p:cNvPr id="6" name="グループ化 5">
-            <a:extLst>
-              <a:ext uri="{FF2B5EF4-FFF2-40B4-BE49-F238E27FC236}">
-                <a16:creationId xmlns:a16="http://schemas.microsoft.com/office/drawing/2014/main" id="{DC9E22C8-D185-4E81-9C5B-5793ECC7B3A9}"/>
-              </a:ext>
-            </a:extLst>
-          </p:cNvPr>
-          <p:cNvGrpSpPr/>
-          <p:nvPr/>
-        </p:nvGrpSpPr>
-        <p:grpSpPr>
-          <a:xfrm>
-            <a:off x="1229241" y="2841859"/>
-            <a:ext cx="1110342" cy="1653941"/>
-            <a:chOff x="1654629" y="1958055"/>
-            <a:chExt cx="1110342" cy="1656002"/>
-          </a:xfrm>
-          <a:solidFill>
-            <a:srgbClr val="FF9966"/>
-          </a:solidFill>
-          <a:effectLst>
-            <a:glow rad="139700">
-              <a:schemeClr val="accent1">
-                <a:satMod val="175000"/>
-                <a:alpha val="40000"/>
-              </a:schemeClr>
-            </a:glow>
-          </a:effectLst>
-        </p:grpSpPr>
-        <p:sp>
-          <p:nvSpPr>
-            <p:cNvPr id="7" name="二等辺三角形 6">
-              <a:extLst>
-                <a:ext uri="{FF2B5EF4-FFF2-40B4-BE49-F238E27FC236}">
-                  <a16:creationId xmlns:a16="http://schemas.microsoft.com/office/drawing/2014/main" id="{003B6351-D632-46D0-A1D0-220792DB5B78}"/>
-                </a:ext>
-              </a:extLst>
-            </p:cNvPr>
-            <p:cNvSpPr/>
-            <p:nvPr/>
-          </p:nvSpPr>
-          <p:spPr>
-            <a:xfrm>
-              <a:off x="1654629" y="2373086"/>
-              <a:ext cx="1110342" cy="1240971"/>
-            </a:xfrm>
-            <a:prstGeom prst="triangle">
-              <a:avLst/>
-            </a:prstGeom>
-            <a:grpFill/>
-            <a:ln>
-              <a:solidFill>
-                <a:srgbClr val="C00000"/>
-              </a:solidFill>
-            </a:ln>
-          </p:spPr>
-          <p:style>
-            <a:lnRef idx="2">
-              <a:schemeClr val="accent1">
-                <a:shade val="50000"/>
-              </a:schemeClr>
-            </a:lnRef>
-            <a:fillRef idx="1">
-              <a:schemeClr val="accent1"/>
-            </a:fillRef>
-            <a:effectRef idx="0">
-              <a:schemeClr val="accent1"/>
-            </a:effectRef>
-            <a:fontRef idx="minor">
-              <a:schemeClr val="lt1"/>
-            </a:fontRef>
-          </p:style>
-          <p:txBody>
-            <a:bodyPr rtlCol="0" anchor="ctr"/>
-            <a:lstStyle/>
-            <a:p>
-              <a:pPr algn="ctr"/>
-              <a:endParaRPr kumimoji="1" lang="ja-JP" altLang="en-US"/>
-            </a:p>
-          </p:txBody>
-        </p:sp>
-        <p:sp>
-          <p:nvSpPr>
-            <p:cNvPr id="8" name="フローチャート: 結合子 7">
-              <a:extLst>
-                <a:ext uri="{FF2B5EF4-FFF2-40B4-BE49-F238E27FC236}">
-                  <a16:creationId xmlns:a16="http://schemas.microsoft.com/office/drawing/2014/main" id="{47DD24AC-A4C7-46EE-B1EB-30DD0E814D19}"/>
-                </a:ext>
-              </a:extLst>
-            </p:cNvPr>
-            <p:cNvSpPr/>
-            <p:nvPr/>
-          </p:nvSpPr>
-          <p:spPr>
-            <a:xfrm>
-              <a:off x="1784412" y="1958055"/>
-              <a:ext cx="865837" cy="830062"/>
-            </a:xfrm>
-            <a:prstGeom prst="flowChartConnector">
-              <a:avLst/>
-            </a:prstGeom>
-            <a:grpFill/>
-            <a:ln>
-              <a:solidFill>
-                <a:srgbClr val="C00000"/>
-              </a:solidFill>
-            </a:ln>
-          </p:spPr>
-          <p:style>
-            <a:lnRef idx="2">
-              <a:schemeClr val="accent1">
-                <a:shade val="50000"/>
-              </a:schemeClr>
-            </a:lnRef>
-            <a:fillRef idx="1">
-              <a:schemeClr val="accent1"/>
-            </a:fillRef>
-            <a:effectRef idx="0">
-              <a:schemeClr val="accent1"/>
-            </a:effectRef>
-            <a:fontRef idx="minor">
-              <a:schemeClr val="lt1"/>
-            </a:fontRef>
-          </p:style>
-          <p:txBody>
-            <a:bodyPr rtlCol="0" anchor="ctr"/>
-            <a:lstStyle/>
-            <a:p>
-              <a:pPr algn="ctr"/>
-              <a:endParaRPr kumimoji="1" lang="ja-JP" altLang="en-US"/>
-            </a:p>
-          </p:txBody>
-        </p:sp>
-      </p:grpSp>
-      <p:sp>
-        <p:nvSpPr>
-          <p:cNvPr id="13" name="吹き出し: 角を丸めた四角形 12">
-            <a:extLst>
-              <a:ext uri="{FF2B5EF4-FFF2-40B4-BE49-F238E27FC236}">
-                <a16:creationId xmlns:a16="http://schemas.microsoft.com/office/drawing/2014/main" id="{DAA07BD7-1117-4076-86F1-A20CCE6780FD}"/>
-              </a:ext>
-            </a:extLst>
-          </p:cNvPr>
-          <p:cNvSpPr/>
-          <p:nvPr/>
-        </p:nvSpPr>
-        <p:spPr>
-          <a:xfrm>
-            <a:off x="2950029" y="1981200"/>
-            <a:ext cx="8904513" cy="4344139"/>
-          </a:xfrm>
-          <a:prstGeom prst="wedgeRoundRectCallout">
-            <a:avLst>
-              <a:gd name="adj1" fmla="val -55419"/>
-              <a:gd name="adj2" fmla="val -25799"/>
-              <a:gd name="adj3" fmla="val 16667"/>
-            </a:avLst>
-          </a:prstGeom>
-          <a:noFill/>
-          <a:ln w="9525" cap="flat" cmpd="sng" algn="ctr">
-            <a:solidFill>
-              <a:schemeClr val="accent1"/>
-            </a:solidFill>
-            <a:prstDash val="solid"/>
-            <a:round/>
-            <a:headEnd type="none" w="med" len="med"/>
-            <a:tailEnd type="none" w="med" len="med"/>
-          </a:ln>
-        </p:spPr>
-        <p:style>
-          <a:lnRef idx="0">
-            <a:scrgbClr r="0" g="0" b="0"/>
-          </a:lnRef>
-          <a:fillRef idx="0">
-            <a:scrgbClr r="0" g="0" b="0"/>
-          </a:fillRef>
-          <a:effectRef idx="0">
-            <a:scrgbClr r="0" g="0" b="0"/>
-          </a:effectRef>
-          <a:fontRef idx="minor">
-            <a:schemeClr val="accent1"/>
-          </a:fontRef>
-        </p:style>
-        <p:txBody>
-          <a:bodyPr rtlCol="0" anchor="ctr"/>
-          <a:lstStyle/>
-          <a:p>
-            <a:r>
-              <a:rPr kumimoji="1" lang="ja-JP" altLang="en-US" sz="2400" dirty="0">
-                <a:solidFill>
-                  <a:schemeClr val="tx1"/>
-                </a:solidFill>
-              </a:rPr>
-              <a:t>・学校の授業では「</a:t>
-            </a:r>
-            <a:r>
-              <a:rPr kumimoji="1" lang="ja-JP" altLang="en-US" sz="2400" dirty="0" err="1">
-                <a:solidFill>
-                  <a:schemeClr val="tx1"/>
-                </a:solidFill>
-              </a:rPr>
-              <a:t>ぺらっと</a:t>
-            </a:r>
-            <a:r>
-              <a:rPr kumimoji="1" lang="ja-JP" altLang="en-US" sz="2400" dirty="0">
-                <a:solidFill>
-                  <a:schemeClr val="tx1"/>
-                </a:solidFill>
-              </a:rPr>
-              <a:t>一枚作る」ようなプログラムが多い中、きちんとしたフレームワークを導入したコアな開発ができて良かった。</a:t>
-            </a:r>
-            <a:endParaRPr kumimoji="1" lang="en-US" altLang="ja-JP" sz="2400" dirty="0">
-              <a:solidFill>
-                <a:schemeClr val="tx1"/>
-              </a:solidFill>
-            </a:endParaRPr>
-          </a:p>
-          <a:p>
-            <a:r>
-              <a:rPr kumimoji="1" lang="ja-JP" altLang="en-US" sz="2400" dirty="0">
-                <a:solidFill>
-                  <a:schemeClr val="tx1"/>
-                </a:solidFill>
-              </a:rPr>
-              <a:t>その分ぶち当たる難題が多く、問題もたくさんあったが、</a:t>
-            </a:r>
-            <a:endParaRPr kumimoji="1" lang="en-US" altLang="ja-JP" sz="2400">
-              <a:solidFill>
-                <a:schemeClr val="tx1"/>
-              </a:solidFill>
-            </a:endParaRPr>
-          </a:p>
-          <a:p>
-            <a:r>
-              <a:rPr kumimoji="1" lang="en-US" altLang="ja-JP" sz="2400">
-                <a:solidFill>
-                  <a:schemeClr val="tx1"/>
-                </a:solidFill>
-              </a:rPr>
-              <a:t>” </a:t>
-            </a:r>
-            <a:r>
-              <a:rPr kumimoji="1" lang="ja-JP" altLang="en-US" sz="2400" dirty="0">
-                <a:solidFill>
-                  <a:schemeClr val="tx1"/>
-                </a:solidFill>
-              </a:rPr>
-              <a:t>授業</a:t>
-            </a:r>
-            <a:r>
-              <a:rPr kumimoji="1" lang="en-US" altLang="ja-JP" sz="2400" dirty="0">
-                <a:solidFill>
-                  <a:schemeClr val="tx1"/>
-                </a:solidFill>
-              </a:rPr>
-              <a:t>”</a:t>
-            </a:r>
-            <a:r>
-              <a:rPr kumimoji="1" lang="ja-JP" altLang="en-US" sz="2400" dirty="0">
-                <a:solidFill>
-                  <a:schemeClr val="tx1"/>
-                </a:solidFill>
-              </a:rPr>
-              <a:t>としては及第点だと思う。</a:t>
-            </a:r>
-            <a:endParaRPr kumimoji="1" lang="en-US" altLang="ja-JP" sz="2400" dirty="0">
-              <a:solidFill>
-                <a:schemeClr val="tx1"/>
-              </a:solidFill>
-            </a:endParaRPr>
-          </a:p>
-          <a:p>
-            <a:endParaRPr kumimoji="1" lang="en-US" altLang="ja-JP" sz="2400" dirty="0">
-              <a:solidFill>
-                <a:schemeClr val="tx1"/>
-              </a:solidFill>
-            </a:endParaRPr>
-          </a:p>
-          <a:p>
-            <a:r>
-              <a:rPr kumimoji="1" lang="ja-JP" altLang="en-US" sz="2400" dirty="0">
-                <a:solidFill>
-                  <a:schemeClr val="tx1"/>
-                </a:solidFill>
-              </a:rPr>
-              <a:t>・新しく触るものばかりで学習コストが高く、時間がカツカツでしんどい部分も多かった。</a:t>
-            </a:r>
-            <a:endParaRPr kumimoji="1" lang="en-US" altLang="ja-JP" sz="2400" dirty="0">
-              <a:solidFill>
-                <a:schemeClr val="tx1"/>
-              </a:solidFill>
-            </a:endParaRPr>
-          </a:p>
-          <a:p>
-            <a:endParaRPr kumimoji="1" lang="en-US" altLang="ja-JP" sz="2400" dirty="0">
-              <a:solidFill>
-                <a:schemeClr val="tx1"/>
-              </a:solidFill>
-            </a:endParaRPr>
-          </a:p>
-          <a:p>
-            <a:r>
-              <a:rPr kumimoji="1" lang="ja-JP" altLang="en-US" sz="2400" dirty="0">
-                <a:solidFill>
-                  <a:schemeClr val="tx1"/>
-                </a:solidFill>
-              </a:rPr>
-              <a:t>・高速案内に取り掛かるまでに時間がかかったせいもあるが、</a:t>
-            </a:r>
-            <a:endParaRPr kumimoji="1" lang="en-US" altLang="ja-JP" sz="2400" dirty="0">
-              <a:solidFill>
-                <a:schemeClr val="tx1"/>
-              </a:solidFill>
-            </a:endParaRPr>
-          </a:p>
-          <a:p>
-            <a:r>
-              <a:rPr kumimoji="1" lang="ja-JP" altLang="en-US" sz="2400" dirty="0">
-                <a:solidFill>
-                  <a:schemeClr val="tx1"/>
-                </a:solidFill>
-              </a:rPr>
-              <a:t>内部設計の人数が足りなかったように思う。</a:t>
-            </a:r>
-            <a:endParaRPr kumimoji="1" lang="en-US" altLang="ja-JP" sz="2400" dirty="0">
-              <a:solidFill>
-                <a:schemeClr val="tx1"/>
-              </a:solidFill>
-            </a:endParaRPr>
-          </a:p>
-        </p:txBody>
-      </p:sp>
-    </p:spTree>
-    <p:extLst>
-      <p:ext uri="{BB962C8B-B14F-4D97-AF65-F5344CB8AC3E}">
-        <p14:creationId xmlns:p14="http://schemas.microsoft.com/office/powerpoint/2010/main" val="260805554"/>
-      </p:ext>
-    </p:extLst>
-  </p:cSld>
-  <p:clrMapOvr>
-    <a:masterClrMapping/>
-  </p:clrMapOvr>
 </p:sld>
 </file>
 
